--- a/External/Documentation/Software Engineering Presentation.pptx
+++ b/External/Documentation/Software Engineering Presentation.pptx
@@ -6032,31 +6032,34 @@
           <a:p>
             <a:pPr algn="r"/>
             <a:r>
+              <a:rPr lang="en-IE" sz="2800" b="1" dirty="0">
+                <a:solidFill>
+                  <a:srgbClr val="FFFFFF"/>
+                </a:solidFill>
+              </a:rPr>
+              <a:t>Use-case diagram</a:t>
+            </a:r>
+          </a:p>
+          <a:p>
+            <a:pPr marL="285750" indent="-285750" algn="r">
+              <a:buFont typeface="Arial" panose="020B0604020202020204" pitchFamily="34" charset="0"/>
+              <a:buChar char="•"/>
+            </a:pPr>
+            <a:r>
               <a:rPr lang="en-IE" sz="1800" dirty="0">
                 <a:solidFill>
                   <a:srgbClr val="FFFFFF"/>
                 </a:solidFill>
               </a:rPr>
-              <a:t>:Use-case diagram</a:t>
-            </a:r>
-          </a:p>
-          <a:p>
-            <a:pPr algn="r"/>
-            <a:r>
-              <a:rPr lang="en-IE" sz="1800" dirty="0">
+              <a:t>The actor on the left is the player of the game and the actor on the right is the </a:t>
+            </a:r>
+            <a:r>
+              <a:rPr lang="en-IE" sz="1800" dirty="0" err="1">
                 <a:solidFill>
                   <a:srgbClr val="FFFFFF"/>
                 </a:solidFill>
               </a:rPr>
-              <a:t>: The actor on the left is the player of the game and the actor on the right is the </a:t>
-            </a:r>
-            <a:r>
-              <a:rPr lang="en-IE" sz="1800" dirty="0" err="1">
-                <a:solidFill>
-                  <a:srgbClr val="FFFFFF"/>
-                </a:solidFill>
-              </a:rPr>
-              <a:t>GSManager</a:t>
+              <a:t>GameStateSManager</a:t>
             </a:r>
             <a:endParaRPr lang="en-IE" sz="1800" dirty="0">
               <a:solidFill>
@@ -6065,14 +6068,17 @@
             </a:endParaRPr>
           </a:p>
           <a:p>
-            <a:pPr algn="r"/>
+            <a:pPr marL="285750" indent="-285750" algn="r">
+              <a:buFont typeface="Arial" panose="020B0604020202020204" pitchFamily="34" charset="0"/>
+              <a:buChar char="•"/>
+            </a:pPr>
             <a:r>
               <a:rPr lang="en-IE" sz="1800" dirty="0">
                 <a:solidFill>
                   <a:srgbClr val="FFFFFF"/>
                 </a:solidFill>
               </a:rPr>
-              <a:t>:The </a:t>
+              <a:t>The </a:t>
             </a:r>
             <a:r>
               <a:rPr lang="en-IE" sz="1800" dirty="0" err="1">
@@ -6080,7 +6086,7 @@
                   <a:srgbClr val="FFFFFF"/>
                 </a:solidFill>
               </a:rPr>
-              <a:t>GsManager</a:t>
+              <a:t>GameStateManager</a:t>
             </a:r>
             <a:r>
               <a:rPr lang="en-IE" sz="1800" dirty="0">
@@ -6092,14 +6098,17 @@
             </a:r>
           </a:p>
           <a:p>
-            <a:pPr algn="r"/>
+            <a:pPr marL="285750" indent="-285750" algn="r">
+              <a:buFont typeface="Arial" panose="020B0604020202020204" pitchFamily="34" charset="0"/>
+              <a:buChar char="•"/>
+            </a:pPr>
             <a:r>
               <a:rPr lang="en-IE" sz="1800" dirty="0">
                 <a:solidFill>
                   <a:srgbClr val="FFFFFF"/>
                 </a:solidFill>
               </a:rPr>
-              <a:t>:The include statements mean that certain use cases include the functionality of others.</a:t>
+              <a:t>The include statements mean that certain use cases include the functionality of others.</a:t>
             </a:r>
           </a:p>
         </p:txBody>
@@ -6697,87 +6706,349 @@
       </p:pic>
       <p:sp>
         <p:nvSpPr>
-          <p:cNvPr id="4" name="Title 3">
+          <p:cNvPr id="2" name="Subtitle 2">
             <a:extLst>
               <a:ext uri="{FF2B5EF4-FFF2-40B4-BE49-F238E27FC236}">
-                <a16:creationId xmlns:a16="http://schemas.microsoft.com/office/drawing/2014/main" id="{7DD682E8-5B76-D568-70C9-48B71A1D7CF0}"/>
+                <a16:creationId xmlns:a16="http://schemas.microsoft.com/office/drawing/2014/main" id="{E1573C88-F811-BEB3-AB3F-720327C3FF2B}"/>
               </a:ext>
             </a:extLst>
           </p:cNvPr>
-          <p:cNvSpPr>
-            <a:spLocks noGrp="1"/>
-          </p:cNvSpPr>
-          <p:nvPr>
-            <p:ph type="title"/>
-          </p:nvPr>
+          <p:cNvSpPr txBox="1">
+            <a:spLocks/>
+          </p:cNvSpPr>
+          <p:nvPr/>
         </p:nvSpPr>
         <p:spPr>
           <a:xfrm>
-            <a:off x="1374212" y="4064869"/>
-            <a:ext cx="8534400" cy="2793131"/>
+            <a:off x="1374212" y="4148867"/>
+            <a:ext cx="6160443" cy="2709134"/>
           </a:xfrm>
+          <a:prstGeom prst="rect">
+            <a:avLst/>
+          </a:prstGeom>
         </p:spPr>
         <p:txBody>
-          <a:bodyPr>
-            <a:normAutofit/>
+          <a:bodyPr vert="horz" lIns="91440" tIns="45720" rIns="91440" bIns="45720" rtlCol="0" anchor="ctr">
+            <a:normAutofit fontScale="85000" lnSpcReduction="20000"/>
           </a:bodyPr>
-          <a:lstStyle/>
-          <a:p>
-            <a:r>
-              <a:rPr lang="en-IE" sz="1800" cap="none" dirty="0">
+          <a:lstStyle>
+            <a:lvl1pPr marL="285750" indent="-285750" algn="l" defTabSz="457200" rtl="0" eaLnBrk="1" latinLnBrk="0" hangingPunct="1">
+              <a:spcBef>
+                <a:spcPct val="20000"/>
+              </a:spcBef>
+              <a:spcAft>
+                <a:spcPts val="600"/>
+              </a:spcAft>
+              <a:buClr>
+                <a:schemeClr val="tx1"/>
+              </a:buClr>
+              <a:buSzPct val="80000"/>
+              <a:buFont typeface="Wingdings 3" panose="05040102010807070707" pitchFamily="18" charset="2"/>
+              <a:buChar char=""/>
+              <a:defRPr sz="2000" kern="1200" cap="none">
+                <a:solidFill>
+                  <a:schemeClr val="bg2">
+                    <a:lumMod val="75000"/>
+                  </a:schemeClr>
+                </a:solidFill>
+                <a:effectLst/>
+                <a:latin typeface="+mn-lt"/>
+                <a:ea typeface="+mn-ea"/>
+                <a:cs typeface="+mn-cs"/>
+              </a:defRPr>
+            </a:lvl1pPr>
+            <a:lvl2pPr marL="742950" indent="-285750" algn="l" defTabSz="457200" rtl="0" eaLnBrk="1" latinLnBrk="0" hangingPunct="1">
+              <a:spcBef>
+                <a:spcPct val="20000"/>
+              </a:spcBef>
+              <a:spcAft>
+                <a:spcPts val="600"/>
+              </a:spcAft>
+              <a:buClr>
+                <a:schemeClr val="tx1"/>
+              </a:buClr>
+              <a:buSzPct val="80000"/>
+              <a:buFont typeface="Wingdings 3" panose="05040102010807070707" pitchFamily="18" charset="2"/>
+              <a:buChar char=""/>
+              <a:defRPr sz="1800" kern="1200" cap="none">
+                <a:solidFill>
+                  <a:schemeClr val="bg2">
+                    <a:lumMod val="75000"/>
+                  </a:schemeClr>
+                </a:solidFill>
+                <a:effectLst/>
+                <a:latin typeface="+mn-lt"/>
+                <a:ea typeface="+mn-ea"/>
+                <a:cs typeface="+mn-cs"/>
+              </a:defRPr>
+            </a:lvl2pPr>
+            <a:lvl3pPr marL="1200150" indent="-285750" algn="l" defTabSz="457200" rtl="0" eaLnBrk="1" latinLnBrk="0" hangingPunct="1">
+              <a:spcBef>
+                <a:spcPct val="20000"/>
+              </a:spcBef>
+              <a:spcAft>
+                <a:spcPts val="600"/>
+              </a:spcAft>
+              <a:buClr>
+                <a:schemeClr val="tx1"/>
+              </a:buClr>
+              <a:buSzPct val="80000"/>
+              <a:buFont typeface="Wingdings 3" panose="05040102010807070707" pitchFamily="18" charset="2"/>
+              <a:buChar char=""/>
+              <a:defRPr sz="1600" kern="1200" cap="none">
+                <a:solidFill>
+                  <a:schemeClr val="bg2">
+                    <a:lumMod val="75000"/>
+                  </a:schemeClr>
+                </a:solidFill>
+                <a:effectLst/>
+                <a:latin typeface="+mn-lt"/>
+                <a:ea typeface="+mn-ea"/>
+                <a:cs typeface="+mn-cs"/>
+              </a:defRPr>
+            </a:lvl3pPr>
+            <a:lvl4pPr marL="1543050" indent="-171450" algn="l" defTabSz="457200" rtl="0" eaLnBrk="1" latinLnBrk="0" hangingPunct="1">
+              <a:spcBef>
+                <a:spcPct val="20000"/>
+              </a:spcBef>
+              <a:spcAft>
+                <a:spcPts val="600"/>
+              </a:spcAft>
+              <a:buClr>
+                <a:schemeClr val="tx1"/>
+              </a:buClr>
+              <a:buSzPct val="80000"/>
+              <a:buFont typeface="Wingdings 3" panose="05040102010807070707" pitchFamily="18" charset="2"/>
+              <a:buChar char=""/>
+              <a:defRPr sz="1400" kern="1200" cap="none">
+                <a:solidFill>
+                  <a:schemeClr val="bg2">
+                    <a:lumMod val="75000"/>
+                  </a:schemeClr>
+                </a:solidFill>
+                <a:effectLst/>
+                <a:latin typeface="+mn-lt"/>
+                <a:ea typeface="+mn-ea"/>
+                <a:cs typeface="+mn-cs"/>
+              </a:defRPr>
+            </a:lvl4pPr>
+            <a:lvl5pPr marL="2000250" indent="-171450" algn="l" defTabSz="457200" rtl="0" eaLnBrk="1" latinLnBrk="0" hangingPunct="1">
+              <a:spcBef>
+                <a:spcPct val="20000"/>
+              </a:spcBef>
+              <a:spcAft>
+                <a:spcPts val="600"/>
+              </a:spcAft>
+              <a:buClr>
+                <a:schemeClr val="tx1"/>
+              </a:buClr>
+              <a:buSzPct val="80000"/>
+              <a:buFont typeface="Wingdings 3" panose="05040102010807070707" pitchFamily="18" charset="2"/>
+              <a:buChar char=""/>
+              <a:defRPr sz="1400" kern="1200" cap="none">
+                <a:solidFill>
+                  <a:schemeClr val="bg2">
+                    <a:lumMod val="75000"/>
+                  </a:schemeClr>
+                </a:solidFill>
+                <a:effectLst/>
+                <a:latin typeface="+mn-lt"/>
+                <a:ea typeface="+mn-ea"/>
+                <a:cs typeface="+mn-cs"/>
+              </a:defRPr>
+            </a:lvl5pPr>
+            <a:lvl6pPr marL="2514600" indent="-228600" algn="l" defTabSz="457200" rtl="0" eaLnBrk="1" latinLnBrk="0" hangingPunct="1">
+              <a:spcBef>
+                <a:spcPct val="20000"/>
+              </a:spcBef>
+              <a:spcAft>
+                <a:spcPts val="600"/>
+              </a:spcAft>
+              <a:buClr>
+                <a:schemeClr val="tx1"/>
+              </a:buClr>
+              <a:buSzPct val="80000"/>
+              <a:buFont typeface="Wingdings 3" panose="05040102010807070707" pitchFamily="18" charset="2"/>
+              <a:buChar char=""/>
+              <a:defRPr sz="1400" kern="1200" cap="none">
+                <a:solidFill>
+                  <a:schemeClr val="bg2">
+                    <a:lumMod val="75000"/>
+                  </a:schemeClr>
+                </a:solidFill>
+                <a:effectLst/>
+                <a:latin typeface="+mn-lt"/>
+                <a:ea typeface="+mn-ea"/>
+                <a:cs typeface="+mn-cs"/>
+              </a:defRPr>
+            </a:lvl6pPr>
+            <a:lvl7pPr marL="2971800" indent="-228600" algn="l" defTabSz="457200" rtl="0" eaLnBrk="1" latinLnBrk="0" hangingPunct="1">
+              <a:spcBef>
+                <a:spcPct val="20000"/>
+              </a:spcBef>
+              <a:spcAft>
+                <a:spcPts val="600"/>
+              </a:spcAft>
+              <a:buClr>
+                <a:schemeClr val="tx1"/>
+              </a:buClr>
+              <a:buSzPct val="80000"/>
+              <a:buFont typeface="Wingdings 3" panose="05040102010807070707" pitchFamily="18" charset="2"/>
+              <a:buChar char=""/>
+              <a:defRPr sz="1400" kern="1200" cap="none">
+                <a:solidFill>
+                  <a:schemeClr val="bg2">
+                    <a:lumMod val="75000"/>
+                  </a:schemeClr>
+                </a:solidFill>
+                <a:effectLst/>
+                <a:latin typeface="+mn-lt"/>
+                <a:ea typeface="+mn-ea"/>
+                <a:cs typeface="+mn-cs"/>
+              </a:defRPr>
+            </a:lvl7pPr>
+            <a:lvl8pPr marL="3429000" indent="-228600" algn="l" defTabSz="457200" rtl="0" eaLnBrk="1" latinLnBrk="0" hangingPunct="1">
+              <a:spcBef>
+                <a:spcPct val="20000"/>
+              </a:spcBef>
+              <a:spcAft>
+                <a:spcPts val="600"/>
+              </a:spcAft>
+              <a:buClr>
+                <a:schemeClr val="tx1"/>
+              </a:buClr>
+              <a:buSzPct val="80000"/>
+              <a:buFont typeface="Wingdings 3" panose="05040102010807070707" pitchFamily="18" charset="2"/>
+              <a:buChar char=""/>
+              <a:defRPr sz="1400" kern="1200" cap="none">
+                <a:solidFill>
+                  <a:schemeClr val="bg2">
+                    <a:lumMod val="75000"/>
+                  </a:schemeClr>
+                </a:solidFill>
+                <a:effectLst/>
+                <a:latin typeface="+mn-lt"/>
+                <a:ea typeface="+mn-ea"/>
+                <a:cs typeface="+mn-cs"/>
+              </a:defRPr>
+            </a:lvl8pPr>
+            <a:lvl9pPr marL="3886200" indent="-228600" algn="l" defTabSz="457200" rtl="0" eaLnBrk="1" latinLnBrk="0" hangingPunct="1">
+              <a:spcBef>
+                <a:spcPct val="20000"/>
+              </a:spcBef>
+              <a:spcAft>
+                <a:spcPts val="600"/>
+              </a:spcAft>
+              <a:buClr>
+                <a:schemeClr val="tx1"/>
+              </a:buClr>
+              <a:buSzPct val="80000"/>
+              <a:buFont typeface="Wingdings 3" panose="05040102010807070707" pitchFamily="18" charset="2"/>
+              <a:buChar char=""/>
+              <a:defRPr sz="1400" kern="1200" cap="none">
+                <a:solidFill>
+                  <a:schemeClr val="bg2">
+                    <a:lumMod val="75000"/>
+                  </a:schemeClr>
+                </a:solidFill>
+                <a:effectLst/>
+                <a:latin typeface="+mn-lt"/>
+                <a:ea typeface="+mn-ea"/>
+                <a:cs typeface="+mn-cs"/>
+              </a:defRPr>
+            </a:lvl9pPr>
+          </a:lstStyle>
+          <a:p>
+            <a:pPr marL="0" indent="0">
+              <a:buNone/>
+            </a:pPr>
+            <a:r>
+              <a:rPr lang="en-IE" sz="2400" b="1" dirty="0">
+                <a:solidFill>
+                  <a:srgbClr val="FFFFFF"/>
+                </a:solidFill>
+              </a:rPr>
+              <a:t>Class Diagram</a:t>
+            </a:r>
+          </a:p>
+          <a:p>
+            <a:pPr>
+              <a:buFont typeface="Arial" panose="020B0604020202020204" pitchFamily="34" charset="0"/>
+              <a:buChar char="•"/>
+            </a:pPr>
+            <a:r>
+              <a:rPr kumimoji="0" lang="en-IE" sz="1800" b="0" i="0" u="none" strike="noStrike" kern="1200" cap="none" spc="0" normalizeH="0" baseline="0" noProof="0" dirty="0">
+                <a:ln w="3175" cmpd="sng">
+                  <a:noFill/>
+                </a:ln>
+                <a:solidFill>
+                  <a:prstClr val="white"/>
+                </a:solidFill>
+                <a:effectLst/>
+                <a:uLnTx/>
+                <a:uFillTx/>
                 <a:latin typeface="Century Gothic" panose="020B0502020202020204" pitchFamily="34" charset="0"/>
+                <a:ea typeface="+mj-ea"/>
                 <a:cs typeface="Cascadia Code" panose="020B0609020000020004" pitchFamily="49" charset="0"/>
               </a:rPr>
-              <a:t>:Class Diagram</a:t>
-            </a:r>
-            <a:br>
-              <a:rPr lang="en-IE" sz="1800" cap="none" dirty="0">
+              <a:t>The customer interacts with all the available objects. Firstly, it waits at the door for an available table. Once there is an available seat, the customer will sit down and begin to order an available dish.</a:t>
+            </a:r>
+          </a:p>
+          <a:p>
+            <a:pPr>
+              <a:buFont typeface="Arial" panose="020B0604020202020204" pitchFamily="34" charset="0"/>
+              <a:buChar char="•"/>
+            </a:pPr>
+            <a:r>
+              <a:rPr kumimoji="0" lang="en-IE" sz="1800" b="0" i="0" u="none" strike="noStrike" kern="1200" cap="none" spc="0" normalizeH="0" baseline="0" noProof="0" dirty="0">
+                <a:ln w="3175" cmpd="sng">
+                  <a:noFill/>
+                </a:ln>
+                <a:solidFill>
+                  <a:prstClr val="white"/>
+                </a:solidFill>
+                <a:effectLst/>
+                <a:uLnTx/>
+                <a:uFillTx/>
                 <a:latin typeface="Century Gothic" panose="020B0502020202020204" pitchFamily="34" charset="0"/>
+                <a:ea typeface="+mj-ea"/>
                 <a:cs typeface="Cascadia Code" panose="020B0609020000020004" pitchFamily="49" charset="0"/>
               </a:rPr>
-            </a:br>
-            <a:r>
-              <a:rPr lang="en-IE" sz="1800" cap="none" dirty="0">
+              <a:t>After they have taken the customer’s order, the player will make and deliver the requested dish, the customer will leave after they finish eating.</a:t>
+            </a:r>
+          </a:p>
+          <a:p>
+            <a:pPr>
+              <a:buFont typeface="Arial" panose="020B0604020202020204" pitchFamily="34" charset="0"/>
+              <a:buChar char="•"/>
+            </a:pPr>
+            <a:r>
+              <a:rPr kumimoji="0" lang="en-IE" sz="1800" b="0" i="0" u="none" strike="noStrike" kern="1200" cap="none" spc="0" normalizeH="0" baseline="0" noProof="0" dirty="0">
+                <a:ln w="3175" cmpd="sng">
+                  <a:noFill/>
+                </a:ln>
+                <a:solidFill>
+                  <a:prstClr val="white"/>
+                </a:solidFill>
+                <a:effectLst/>
+                <a:uLnTx/>
+                <a:uFillTx/>
                 <a:latin typeface="Century Gothic" panose="020B0502020202020204" pitchFamily="34" charset="0"/>
+                <a:ea typeface="+mj-ea"/>
                 <a:cs typeface="Cascadia Code" panose="020B0609020000020004" pitchFamily="49" charset="0"/>
               </a:rPr>
-              <a:t>:The customer interacts with all the available objects firstly it waits at the door for an available table, once there is an available seat the customer will sit down and begin to order an available dish.</a:t>
-            </a:r>
-            <a:br>
-              <a:rPr lang="en-IE" sz="1800" cap="none" dirty="0">
-                <a:latin typeface="Century Gothic" panose="020B0502020202020204" pitchFamily="34" charset="0"/>
-                <a:cs typeface="Cascadia Code" panose="020B0609020000020004" pitchFamily="49" charset="0"/>
-              </a:rPr>
-            </a:br>
-            <a:r>
-              <a:rPr lang="en-IE" sz="1800" cap="none" dirty="0">
-                <a:latin typeface="Century Gothic" panose="020B0502020202020204" pitchFamily="34" charset="0"/>
-                <a:cs typeface="Cascadia Code" panose="020B0609020000020004" pitchFamily="49" charset="0"/>
-              </a:rPr>
-              <a:t>:The player will correspond accordingly to the needs of the customer, the customer will leave after they finish eating.</a:t>
-            </a:r>
-            <a:br>
-              <a:rPr lang="en-IE" sz="1800" cap="none" dirty="0">
-                <a:latin typeface="Century Gothic" panose="020B0502020202020204" pitchFamily="34" charset="0"/>
-                <a:cs typeface="Cascadia Code" panose="020B0609020000020004" pitchFamily="49" charset="0"/>
-              </a:rPr>
-            </a:br>
-            <a:r>
-              <a:rPr lang="en-IE" sz="1800" cap="none" dirty="0">
-                <a:latin typeface="Century Gothic" panose="020B0502020202020204" pitchFamily="34" charset="0"/>
-                <a:cs typeface="Cascadia Code" panose="020B0609020000020004" pitchFamily="49" charset="0"/>
-              </a:rPr>
-              <a:t>:More than one customer can enter and leave the restaurant at a time as such they will need a table to the corresponding size to match.</a:t>
-            </a:r>
-            <a:br>
-              <a:rPr lang="en-IE" sz="1800" cap="none" dirty="0">
-                <a:latin typeface="Century Gothic" panose="020B0502020202020204" pitchFamily="34" charset="0"/>
-                <a:cs typeface="Cascadia Code" panose="020B0609020000020004" pitchFamily="49" charset="0"/>
-              </a:rPr>
-            </a:br>
-            <a:endParaRPr lang="en-IE" sz="1800" cap="small" dirty="0">
-              <a:latin typeface="Cascadia Code" panose="020B0609020000020004" pitchFamily="49" charset="0"/>
-              <a:cs typeface="Cascadia Code" panose="020B0609020000020004" pitchFamily="49" charset="0"/>
+              <a:t>More than one customer can enter and leave the restaurant at a time as such they will need a table to the corresponding capacity to match.</a:t>
+            </a:r>
+          </a:p>
+          <a:p>
+            <a:pPr>
+              <a:buFont typeface="Arial" panose="020B0604020202020204" pitchFamily="34" charset="0"/>
+              <a:buChar char="•"/>
+            </a:pPr>
+            <a:endParaRPr lang="en-IE" sz="1800" dirty="0">
+              <a:solidFill>
+                <a:srgbClr val="FFFFFF"/>
+              </a:solidFill>
             </a:endParaRPr>
           </a:p>
         </p:txBody>
@@ -7302,143 +7573,6 @@
           </a:p>
         </p:txBody>
       </p:sp>
-      <p:sp>
-        <p:nvSpPr>
-          <p:cNvPr id="2" name="Title 1">
-            <a:extLst>
-              <a:ext uri="{FF2B5EF4-FFF2-40B4-BE49-F238E27FC236}">
-                <a16:creationId xmlns:a16="http://schemas.microsoft.com/office/drawing/2014/main" id="{A8BE7FD2-EC9F-6CB6-EC56-1A85D587776A}"/>
-              </a:ext>
-            </a:extLst>
-          </p:cNvPr>
-          <p:cNvSpPr>
-            <a:spLocks noGrp="1"/>
-          </p:cNvSpPr>
-          <p:nvPr>
-            <p:ph type="title"/>
-          </p:nvPr>
-        </p:nvSpPr>
-        <p:spPr>
-          <a:xfrm>
-            <a:off x="1374212" y="4719602"/>
-            <a:ext cx="10817788" cy="2138398"/>
-          </a:xfrm>
-        </p:spPr>
-        <p:txBody>
-          <a:bodyPr>
-            <a:normAutofit/>
-          </a:bodyPr>
-          <a:lstStyle/>
-          <a:p>
-            <a:r>
-              <a:rPr lang="en-IE" sz="1800" dirty="0">
-                <a:solidFill>
-                  <a:srgbClr val="FFFFFF"/>
-                </a:solidFill>
-              </a:rPr>
-              <a:t>:s</a:t>
-            </a:r>
-            <a:r>
-              <a:rPr lang="en-IE" sz="1800" cap="none" dirty="0">
-                <a:solidFill>
-                  <a:srgbClr val="FFFFFF"/>
-                </a:solidFill>
-              </a:rPr>
-              <a:t>ystem sequence diagram</a:t>
-            </a:r>
-            <a:br>
-              <a:rPr lang="en-IE" sz="1800" cap="none" dirty="0">
-                <a:solidFill>
-                  <a:srgbClr val="FFFFFF"/>
-                </a:solidFill>
-              </a:rPr>
-            </a:br>
-            <a:r>
-              <a:rPr lang="en-IE" sz="1800" dirty="0">
-                <a:solidFill>
-                  <a:srgbClr val="FFFFFF"/>
-                </a:solidFill>
-              </a:rPr>
-              <a:t>:A</a:t>
-            </a:r>
-            <a:r>
-              <a:rPr lang="en-IE" sz="1800" cap="none" dirty="0">
-                <a:solidFill>
-                  <a:srgbClr val="FFFFFF"/>
-                </a:solidFill>
-              </a:rPr>
-              <a:t> sequence diagram describes an interaction by focusing on the sequence of messages </a:t>
-            </a:r>
-            <a:r>
-              <a:rPr lang="en-IE" sz="1800" cap="none" dirty="0" err="1">
-                <a:solidFill>
-                  <a:srgbClr val="FFFFFF"/>
-                </a:solidFill>
-              </a:rPr>
-              <a:t>enchanged</a:t>
-            </a:r>
-            <a:r>
-              <a:rPr lang="en-IE" sz="1800" cap="none" dirty="0">
-                <a:solidFill>
-                  <a:srgbClr val="FFFFFF"/>
-                </a:solidFill>
-              </a:rPr>
-              <a:t> and their corresponding event-occurrences on lifelines.</a:t>
-            </a:r>
-            <a:br>
-              <a:rPr lang="en-IE" sz="1800" cap="none" dirty="0">
-                <a:solidFill>
-                  <a:srgbClr val="FFFFFF"/>
-                </a:solidFill>
-              </a:rPr>
-            </a:br>
-            <a:r>
-              <a:rPr lang="en-IE" sz="1800" cap="none" dirty="0">
-                <a:solidFill>
-                  <a:srgbClr val="FFFFFF"/>
-                </a:solidFill>
-              </a:rPr>
-              <a:t>:The sequence diagram highlights the exchange of messages between the player and the </a:t>
-            </a:r>
-            <a:r>
-              <a:rPr lang="en-IE" sz="1800" cap="none" dirty="0" err="1">
-                <a:solidFill>
-                  <a:srgbClr val="FFFFFF"/>
-                </a:solidFill>
-              </a:rPr>
-              <a:t>GameState</a:t>
-            </a:r>
-            <a:r>
-              <a:rPr lang="en-IE" sz="1800" cap="none" dirty="0">
-                <a:solidFill>
-                  <a:srgbClr val="FFFFFF"/>
-                </a:solidFill>
-              </a:rPr>
-              <a:t> manager in a sequential order.</a:t>
-            </a:r>
-            <a:br>
-              <a:rPr lang="en-IE" sz="1800" cap="none" dirty="0">
-                <a:solidFill>
-                  <a:srgbClr val="FFFFFF"/>
-                </a:solidFill>
-              </a:rPr>
-            </a:br>
-            <a:r>
-              <a:rPr lang="en-IE" sz="1800" cap="none" dirty="0">
-                <a:solidFill>
-                  <a:srgbClr val="FFFFFF"/>
-                </a:solidFill>
-              </a:rPr>
-              <a:t>:The diagram states a nice example of how the player should react when a customer enters and once the player acts accordingly the customer will leave.</a:t>
-            </a:r>
-            <a:endParaRPr lang="en-IE" sz="1800" dirty="0">
-              <a:solidFill>
-                <a:srgbClr val="FFFFFF"/>
-              </a:solidFill>
-            </a:endParaRPr>
-          </a:p>
-        </p:txBody>
-      </p:sp>
       <p:pic>
         <p:nvPicPr>
           <p:cNvPr id="5" name="Content Placeholder 4" descr="Diagram, schematic&#10;&#10;Description automatically generated">
@@ -7469,11 +7603,367 @@
         </p:blipFill>
         <p:spPr>
           <a:xfrm>
-            <a:off x="1303750" y="0"/>
-            <a:ext cx="7733855" cy="4719602"/>
+            <a:off x="1706006" y="245478"/>
+            <a:ext cx="7331599" cy="4474124"/>
           </a:xfrm>
         </p:spPr>
       </p:pic>
+      <p:sp>
+        <p:nvSpPr>
+          <p:cNvPr id="6" name="Subtitle 2">
+            <a:extLst>
+              <a:ext uri="{FF2B5EF4-FFF2-40B4-BE49-F238E27FC236}">
+                <a16:creationId xmlns:a16="http://schemas.microsoft.com/office/drawing/2014/main" id="{5E60B649-2F97-0845-80C6-D307D0AAB049}"/>
+              </a:ext>
+            </a:extLst>
+          </p:cNvPr>
+          <p:cNvSpPr txBox="1">
+            <a:spLocks/>
+          </p:cNvSpPr>
+          <p:nvPr/>
+        </p:nvSpPr>
+        <p:spPr>
+          <a:xfrm>
+            <a:off x="1374212" y="4845159"/>
+            <a:ext cx="7663393" cy="1963944"/>
+          </a:xfrm>
+          <a:prstGeom prst="rect">
+            <a:avLst/>
+          </a:prstGeom>
+        </p:spPr>
+        <p:txBody>
+          <a:bodyPr vert="horz" lIns="91440" tIns="45720" rIns="91440" bIns="45720" rtlCol="0" anchor="ctr">
+            <a:normAutofit fontScale="77500" lnSpcReduction="20000"/>
+          </a:bodyPr>
+          <a:lstStyle>
+            <a:lvl1pPr marL="285750" indent="-285750" algn="l" defTabSz="457200" rtl="0" eaLnBrk="1" latinLnBrk="0" hangingPunct="1">
+              <a:spcBef>
+                <a:spcPct val="20000"/>
+              </a:spcBef>
+              <a:spcAft>
+                <a:spcPts val="600"/>
+              </a:spcAft>
+              <a:buClr>
+                <a:schemeClr val="tx1"/>
+              </a:buClr>
+              <a:buSzPct val="80000"/>
+              <a:buFont typeface="Wingdings 3" panose="05040102010807070707" pitchFamily="18" charset="2"/>
+              <a:buChar char=""/>
+              <a:defRPr sz="2000" kern="1200" cap="none">
+                <a:solidFill>
+                  <a:schemeClr val="bg2">
+                    <a:lumMod val="75000"/>
+                  </a:schemeClr>
+                </a:solidFill>
+                <a:effectLst/>
+                <a:latin typeface="+mn-lt"/>
+                <a:ea typeface="+mn-ea"/>
+                <a:cs typeface="+mn-cs"/>
+              </a:defRPr>
+            </a:lvl1pPr>
+            <a:lvl2pPr marL="742950" indent="-285750" algn="l" defTabSz="457200" rtl="0" eaLnBrk="1" latinLnBrk="0" hangingPunct="1">
+              <a:spcBef>
+                <a:spcPct val="20000"/>
+              </a:spcBef>
+              <a:spcAft>
+                <a:spcPts val="600"/>
+              </a:spcAft>
+              <a:buClr>
+                <a:schemeClr val="tx1"/>
+              </a:buClr>
+              <a:buSzPct val="80000"/>
+              <a:buFont typeface="Wingdings 3" panose="05040102010807070707" pitchFamily="18" charset="2"/>
+              <a:buChar char=""/>
+              <a:defRPr sz="1800" kern="1200" cap="none">
+                <a:solidFill>
+                  <a:schemeClr val="bg2">
+                    <a:lumMod val="75000"/>
+                  </a:schemeClr>
+                </a:solidFill>
+                <a:effectLst/>
+                <a:latin typeface="+mn-lt"/>
+                <a:ea typeface="+mn-ea"/>
+                <a:cs typeface="+mn-cs"/>
+              </a:defRPr>
+            </a:lvl2pPr>
+            <a:lvl3pPr marL="1200150" indent="-285750" algn="l" defTabSz="457200" rtl="0" eaLnBrk="1" latinLnBrk="0" hangingPunct="1">
+              <a:spcBef>
+                <a:spcPct val="20000"/>
+              </a:spcBef>
+              <a:spcAft>
+                <a:spcPts val="600"/>
+              </a:spcAft>
+              <a:buClr>
+                <a:schemeClr val="tx1"/>
+              </a:buClr>
+              <a:buSzPct val="80000"/>
+              <a:buFont typeface="Wingdings 3" panose="05040102010807070707" pitchFamily="18" charset="2"/>
+              <a:buChar char=""/>
+              <a:defRPr sz="1600" kern="1200" cap="none">
+                <a:solidFill>
+                  <a:schemeClr val="bg2">
+                    <a:lumMod val="75000"/>
+                  </a:schemeClr>
+                </a:solidFill>
+                <a:effectLst/>
+                <a:latin typeface="+mn-lt"/>
+                <a:ea typeface="+mn-ea"/>
+                <a:cs typeface="+mn-cs"/>
+              </a:defRPr>
+            </a:lvl3pPr>
+            <a:lvl4pPr marL="1543050" indent="-171450" algn="l" defTabSz="457200" rtl="0" eaLnBrk="1" latinLnBrk="0" hangingPunct="1">
+              <a:spcBef>
+                <a:spcPct val="20000"/>
+              </a:spcBef>
+              <a:spcAft>
+                <a:spcPts val="600"/>
+              </a:spcAft>
+              <a:buClr>
+                <a:schemeClr val="tx1"/>
+              </a:buClr>
+              <a:buSzPct val="80000"/>
+              <a:buFont typeface="Wingdings 3" panose="05040102010807070707" pitchFamily="18" charset="2"/>
+              <a:buChar char=""/>
+              <a:defRPr sz="1400" kern="1200" cap="none">
+                <a:solidFill>
+                  <a:schemeClr val="bg2">
+                    <a:lumMod val="75000"/>
+                  </a:schemeClr>
+                </a:solidFill>
+                <a:effectLst/>
+                <a:latin typeface="+mn-lt"/>
+                <a:ea typeface="+mn-ea"/>
+                <a:cs typeface="+mn-cs"/>
+              </a:defRPr>
+            </a:lvl4pPr>
+            <a:lvl5pPr marL="2000250" indent="-171450" algn="l" defTabSz="457200" rtl="0" eaLnBrk="1" latinLnBrk="0" hangingPunct="1">
+              <a:spcBef>
+                <a:spcPct val="20000"/>
+              </a:spcBef>
+              <a:spcAft>
+                <a:spcPts val="600"/>
+              </a:spcAft>
+              <a:buClr>
+                <a:schemeClr val="tx1"/>
+              </a:buClr>
+              <a:buSzPct val="80000"/>
+              <a:buFont typeface="Wingdings 3" panose="05040102010807070707" pitchFamily="18" charset="2"/>
+              <a:buChar char=""/>
+              <a:defRPr sz="1400" kern="1200" cap="none">
+                <a:solidFill>
+                  <a:schemeClr val="bg2">
+                    <a:lumMod val="75000"/>
+                  </a:schemeClr>
+                </a:solidFill>
+                <a:effectLst/>
+                <a:latin typeface="+mn-lt"/>
+                <a:ea typeface="+mn-ea"/>
+                <a:cs typeface="+mn-cs"/>
+              </a:defRPr>
+            </a:lvl5pPr>
+            <a:lvl6pPr marL="2514600" indent="-228600" algn="l" defTabSz="457200" rtl="0" eaLnBrk="1" latinLnBrk="0" hangingPunct="1">
+              <a:spcBef>
+                <a:spcPct val="20000"/>
+              </a:spcBef>
+              <a:spcAft>
+                <a:spcPts val="600"/>
+              </a:spcAft>
+              <a:buClr>
+                <a:schemeClr val="tx1"/>
+              </a:buClr>
+              <a:buSzPct val="80000"/>
+              <a:buFont typeface="Wingdings 3" panose="05040102010807070707" pitchFamily="18" charset="2"/>
+              <a:buChar char=""/>
+              <a:defRPr sz="1400" kern="1200" cap="none">
+                <a:solidFill>
+                  <a:schemeClr val="bg2">
+                    <a:lumMod val="75000"/>
+                  </a:schemeClr>
+                </a:solidFill>
+                <a:effectLst/>
+                <a:latin typeface="+mn-lt"/>
+                <a:ea typeface="+mn-ea"/>
+                <a:cs typeface="+mn-cs"/>
+              </a:defRPr>
+            </a:lvl6pPr>
+            <a:lvl7pPr marL="2971800" indent="-228600" algn="l" defTabSz="457200" rtl="0" eaLnBrk="1" latinLnBrk="0" hangingPunct="1">
+              <a:spcBef>
+                <a:spcPct val="20000"/>
+              </a:spcBef>
+              <a:spcAft>
+                <a:spcPts val="600"/>
+              </a:spcAft>
+              <a:buClr>
+                <a:schemeClr val="tx1"/>
+              </a:buClr>
+              <a:buSzPct val="80000"/>
+              <a:buFont typeface="Wingdings 3" panose="05040102010807070707" pitchFamily="18" charset="2"/>
+              <a:buChar char=""/>
+              <a:defRPr sz="1400" kern="1200" cap="none">
+                <a:solidFill>
+                  <a:schemeClr val="bg2">
+                    <a:lumMod val="75000"/>
+                  </a:schemeClr>
+                </a:solidFill>
+                <a:effectLst/>
+                <a:latin typeface="+mn-lt"/>
+                <a:ea typeface="+mn-ea"/>
+                <a:cs typeface="+mn-cs"/>
+              </a:defRPr>
+            </a:lvl7pPr>
+            <a:lvl8pPr marL="3429000" indent="-228600" algn="l" defTabSz="457200" rtl="0" eaLnBrk="1" latinLnBrk="0" hangingPunct="1">
+              <a:spcBef>
+                <a:spcPct val="20000"/>
+              </a:spcBef>
+              <a:spcAft>
+                <a:spcPts val="600"/>
+              </a:spcAft>
+              <a:buClr>
+                <a:schemeClr val="tx1"/>
+              </a:buClr>
+              <a:buSzPct val="80000"/>
+              <a:buFont typeface="Wingdings 3" panose="05040102010807070707" pitchFamily="18" charset="2"/>
+              <a:buChar char=""/>
+              <a:defRPr sz="1400" kern="1200" cap="none">
+                <a:solidFill>
+                  <a:schemeClr val="bg2">
+                    <a:lumMod val="75000"/>
+                  </a:schemeClr>
+                </a:solidFill>
+                <a:effectLst/>
+                <a:latin typeface="+mn-lt"/>
+                <a:ea typeface="+mn-ea"/>
+                <a:cs typeface="+mn-cs"/>
+              </a:defRPr>
+            </a:lvl8pPr>
+            <a:lvl9pPr marL="3886200" indent="-228600" algn="l" defTabSz="457200" rtl="0" eaLnBrk="1" latinLnBrk="0" hangingPunct="1">
+              <a:spcBef>
+                <a:spcPct val="20000"/>
+              </a:spcBef>
+              <a:spcAft>
+                <a:spcPts val="600"/>
+              </a:spcAft>
+              <a:buClr>
+                <a:schemeClr val="tx1"/>
+              </a:buClr>
+              <a:buSzPct val="80000"/>
+              <a:buFont typeface="Wingdings 3" panose="05040102010807070707" pitchFamily="18" charset="2"/>
+              <a:buChar char=""/>
+              <a:defRPr sz="1400" kern="1200" cap="none">
+                <a:solidFill>
+                  <a:schemeClr val="bg2">
+                    <a:lumMod val="75000"/>
+                  </a:schemeClr>
+                </a:solidFill>
+                <a:effectLst/>
+                <a:latin typeface="+mn-lt"/>
+                <a:ea typeface="+mn-ea"/>
+                <a:cs typeface="+mn-cs"/>
+              </a:defRPr>
+            </a:lvl9pPr>
+          </a:lstStyle>
+          <a:p>
+            <a:pPr marL="0" indent="0">
+              <a:buNone/>
+            </a:pPr>
+            <a:r>
+              <a:rPr lang="en-IE" sz="2600" b="1" dirty="0">
+                <a:solidFill>
+                  <a:srgbClr val="FFFFFF"/>
+                </a:solidFill>
+              </a:rPr>
+              <a:t>System Sequence Diagram</a:t>
+            </a:r>
+          </a:p>
+          <a:p>
+            <a:pPr>
+              <a:buFont typeface="Arial" panose="020B0604020202020204" pitchFamily="34" charset="0"/>
+              <a:buChar char="•"/>
+            </a:pPr>
+            <a:r>
+              <a:rPr lang="en-IE" sz="1800" dirty="0">
+                <a:solidFill>
+                  <a:srgbClr val="FFFFFF"/>
+                </a:solidFill>
+              </a:rPr>
+              <a:t>A</a:t>
+            </a:r>
+            <a:r>
+              <a:rPr lang="en-IE" sz="1800" cap="none" dirty="0">
+                <a:solidFill>
+                  <a:srgbClr val="FFFFFF"/>
+                </a:solidFill>
+              </a:rPr>
+              <a:t> sequence diagram describes an interaction by focusing on the sequence of messages exchanged and their corresponding event-occurrences on lifelines. </a:t>
+            </a:r>
+          </a:p>
+          <a:p>
+            <a:pPr>
+              <a:buFont typeface="Arial" panose="020B0604020202020204" pitchFamily="34" charset="0"/>
+              <a:buChar char="•"/>
+            </a:pPr>
+            <a:r>
+              <a:rPr lang="en-IE" sz="1800" cap="none" dirty="0">
+                <a:solidFill>
+                  <a:srgbClr val="FFFFFF"/>
+                </a:solidFill>
+              </a:rPr>
+              <a:t>The sequence diagram highlights the exchange of messages between the player and the </a:t>
+            </a:r>
+            <a:r>
+              <a:rPr lang="en-IE" sz="1800" cap="none" dirty="0" err="1">
+                <a:solidFill>
+                  <a:srgbClr val="FFFFFF"/>
+                </a:solidFill>
+              </a:rPr>
+              <a:t>GameState</a:t>
+            </a:r>
+            <a:r>
+              <a:rPr lang="en-IE" sz="1800" dirty="0" err="1">
+                <a:solidFill>
+                  <a:srgbClr val="FFFFFF"/>
+                </a:solidFill>
+              </a:rPr>
+              <a:t>M</a:t>
+            </a:r>
+            <a:r>
+              <a:rPr lang="en-IE" sz="1800" cap="none" dirty="0" err="1">
+                <a:solidFill>
+                  <a:srgbClr val="FFFFFF"/>
+                </a:solidFill>
+              </a:rPr>
+              <a:t>anager</a:t>
+            </a:r>
+            <a:r>
+              <a:rPr lang="en-IE" sz="1800" cap="none" dirty="0">
+                <a:solidFill>
+                  <a:srgbClr val="FFFFFF"/>
+                </a:solidFill>
+              </a:rPr>
+              <a:t> in a sequential order. </a:t>
+            </a:r>
+          </a:p>
+          <a:p>
+            <a:pPr>
+              <a:buFont typeface="Arial" panose="020B0604020202020204" pitchFamily="34" charset="0"/>
+              <a:buChar char="•"/>
+            </a:pPr>
+            <a:r>
+              <a:rPr lang="en-IE" sz="1800" cap="none" dirty="0">
+                <a:solidFill>
+                  <a:srgbClr val="FFFFFF"/>
+                </a:solidFill>
+              </a:rPr>
+              <a:t>The diagram states a nice example of how the player should react when a customer enters and once the player acts accordingly the customer will leave.</a:t>
+            </a:r>
+            <a:endParaRPr lang="en-IE" sz="1800" dirty="0">
+              <a:solidFill>
+                <a:srgbClr val="FFFFFF"/>
+              </a:solidFill>
+            </a:endParaRPr>
+          </a:p>
+        </p:txBody>
+      </p:sp>
     </p:spTree>
     <p:extLst>
       <p:ext uri="{BB962C8B-B14F-4D97-AF65-F5344CB8AC3E}">
@@ -7504,82 +7994,6 @@
           <a:chExt cx="0" cy="0"/>
         </a:xfrm>
       </p:grpSpPr>
-      <p:sp>
-        <p:nvSpPr>
-          <p:cNvPr id="2" name="Title 1">
-            <a:extLst>
-              <a:ext uri="{FF2B5EF4-FFF2-40B4-BE49-F238E27FC236}">
-                <a16:creationId xmlns:a16="http://schemas.microsoft.com/office/drawing/2014/main" id="{1E1D607C-79B8-6457-F553-69F3B97B48CB}"/>
-              </a:ext>
-            </a:extLst>
-          </p:cNvPr>
-          <p:cNvSpPr>
-            <a:spLocks noGrp="1"/>
-          </p:cNvSpPr>
-          <p:nvPr>
-            <p:ph type="title"/>
-          </p:nvPr>
-        </p:nvSpPr>
-        <p:spPr>
-          <a:xfrm>
-            <a:off x="684212" y="4487332"/>
-            <a:ext cx="8534400" cy="1974428"/>
-          </a:xfrm>
-        </p:spPr>
-        <p:txBody>
-          <a:bodyPr>
-            <a:normAutofit fontScale="90000"/>
-          </a:bodyPr>
-          <a:lstStyle/>
-          <a:p>
-            <a:r>
-              <a:rPr lang="en-IE" sz="1800" cap="none" dirty="0"/>
-              <a:t>:Contracts help define system behaviour; they describe the effects of operations upon the system.</a:t>
-            </a:r>
-            <a:br>
-              <a:rPr lang="en-IE" sz="1800" cap="none" dirty="0"/>
-            </a:br>
-            <a:r>
-              <a:rPr lang="en-IE" sz="1800" cap="none" dirty="0"/>
-              <a:t>:A contract is a document that describes what each system operation commits to achieve.</a:t>
-            </a:r>
-            <a:br>
-              <a:rPr lang="en-IE" sz="1800" cap="none" dirty="0"/>
-            </a:br>
-            <a:r>
-              <a:rPr lang="en-IE" sz="1800" cap="none" dirty="0"/>
-              <a:t>:The </a:t>
-            </a:r>
-            <a:r>
-              <a:rPr lang="en-IE" sz="1800" cap="none" dirty="0" err="1"/>
-              <a:t>GameState</a:t>
-            </a:r>
-            <a:r>
-              <a:rPr lang="en-IE" sz="1800" cap="none" dirty="0"/>
-              <a:t> </a:t>
-            </a:r>
-            <a:r>
-              <a:rPr lang="en-IE" sz="1800" cap="none" dirty="0" err="1"/>
-              <a:t>magager</a:t>
-            </a:r>
-            <a:r>
-              <a:rPr lang="en-IE" sz="1800" cap="none" dirty="0"/>
-              <a:t> intends to create and destroy instances such as making</a:t>
-            </a:r>
-            <a:br>
-              <a:rPr lang="en-IE" sz="1800" cap="none" dirty="0"/>
-            </a:br>
-            <a:r>
-              <a:rPr lang="en-IE" sz="1800" cap="none" dirty="0"/>
-              <a:t>customers arrive to the restaurant. </a:t>
-            </a:r>
-            <a:br>
-              <a:rPr lang="en-IE" sz="1800" cap="none" dirty="0"/>
-            </a:br>
-            <a:endParaRPr lang="en-IE" sz="1800" cap="none" dirty="0"/>
-          </a:p>
-        </p:txBody>
-      </p:sp>
       <p:pic>
         <p:nvPicPr>
           <p:cNvPr id="5" name="Content Placeholder 4" descr="Graphical user interface, text, application&#10;&#10;Description automatically generated">
@@ -7610,11 +8024,362 @@
         </p:blipFill>
         <p:spPr>
           <a:xfrm>
-            <a:off x="524409" y="85725"/>
+            <a:off x="4397156" y="2126669"/>
             <a:ext cx="4085691" cy="4264890"/>
           </a:xfrm>
         </p:spPr>
       </p:pic>
+      <p:sp>
+        <p:nvSpPr>
+          <p:cNvPr id="9" name="Subtitle 2">
+            <a:extLst>
+              <a:ext uri="{FF2B5EF4-FFF2-40B4-BE49-F238E27FC236}">
+                <a16:creationId xmlns:a16="http://schemas.microsoft.com/office/drawing/2014/main" id="{02024F99-593D-56EC-5BA7-5244B67F3090}"/>
+              </a:ext>
+            </a:extLst>
+          </p:cNvPr>
+          <p:cNvSpPr txBox="1">
+            <a:spLocks/>
+          </p:cNvSpPr>
+          <p:nvPr/>
+        </p:nvSpPr>
+        <p:spPr>
+          <a:xfrm>
+            <a:off x="416792" y="2126669"/>
+            <a:ext cx="3783499" cy="4495801"/>
+          </a:xfrm>
+          <a:prstGeom prst="rect">
+            <a:avLst/>
+          </a:prstGeom>
+        </p:spPr>
+        <p:txBody>
+          <a:bodyPr vert="horz" lIns="91440" tIns="45720" rIns="91440" bIns="45720" rtlCol="0" anchor="ctr">
+            <a:normAutofit/>
+          </a:bodyPr>
+          <a:lstStyle>
+            <a:lvl1pPr marL="285750" indent="-285750" algn="l" defTabSz="457200" rtl="0" eaLnBrk="1" latinLnBrk="0" hangingPunct="1">
+              <a:spcBef>
+                <a:spcPct val="20000"/>
+              </a:spcBef>
+              <a:spcAft>
+                <a:spcPts val="600"/>
+              </a:spcAft>
+              <a:buClr>
+                <a:schemeClr val="tx1"/>
+              </a:buClr>
+              <a:buSzPct val="80000"/>
+              <a:buFont typeface="Wingdings 3" panose="05040102010807070707" pitchFamily="18" charset="2"/>
+              <a:buChar char=""/>
+              <a:defRPr sz="2000" kern="1200" cap="none">
+                <a:solidFill>
+                  <a:schemeClr val="bg2">
+                    <a:lumMod val="75000"/>
+                  </a:schemeClr>
+                </a:solidFill>
+                <a:effectLst/>
+                <a:latin typeface="+mn-lt"/>
+                <a:ea typeface="+mn-ea"/>
+                <a:cs typeface="+mn-cs"/>
+              </a:defRPr>
+            </a:lvl1pPr>
+            <a:lvl2pPr marL="742950" indent="-285750" algn="l" defTabSz="457200" rtl="0" eaLnBrk="1" latinLnBrk="0" hangingPunct="1">
+              <a:spcBef>
+                <a:spcPct val="20000"/>
+              </a:spcBef>
+              <a:spcAft>
+                <a:spcPts val="600"/>
+              </a:spcAft>
+              <a:buClr>
+                <a:schemeClr val="tx1"/>
+              </a:buClr>
+              <a:buSzPct val="80000"/>
+              <a:buFont typeface="Wingdings 3" panose="05040102010807070707" pitchFamily="18" charset="2"/>
+              <a:buChar char=""/>
+              <a:defRPr sz="1800" kern="1200" cap="none">
+                <a:solidFill>
+                  <a:schemeClr val="bg2">
+                    <a:lumMod val="75000"/>
+                  </a:schemeClr>
+                </a:solidFill>
+                <a:effectLst/>
+                <a:latin typeface="+mn-lt"/>
+                <a:ea typeface="+mn-ea"/>
+                <a:cs typeface="+mn-cs"/>
+              </a:defRPr>
+            </a:lvl2pPr>
+            <a:lvl3pPr marL="1200150" indent="-285750" algn="l" defTabSz="457200" rtl="0" eaLnBrk="1" latinLnBrk="0" hangingPunct="1">
+              <a:spcBef>
+                <a:spcPct val="20000"/>
+              </a:spcBef>
+              <a:spcAft>
+                <a:spcPts val="600"/>
+              </a:spcAft>
+              <a:buClr>
+                <a:schemeClr val="tx1"/>
+              </a:buClr>
+              <a:buSzPct val="80000"/>
+              <a:buFont typeface="Wingdings 3" panose="05040102010807070707" pitchFamily="18" charset="2"/>
+              <a:buChar char=""/>
+              <a:defRPr sz="1600" kern="1200" cap="none">
+                <a:solidFill>
+                  <a:schemeClr val="bg2">
+                    <a:lumMod val="75000"/>
+                  </a:schemeClr>
+                </a:solidFill>
+                <a:effectLst/>
+                <a:latin typeface="+mn-lt"/>
+                <a:ea typeface="+mn-ea"/>
+                <a:cs typeface="+mn-cs"/>
+              </a:defRPr>
+            </a:lvl3pPr>
+            <a:lvl4pPr marL="1543050" indent="-171450" algn="l" defTabSz="457200" rtl="0" eaLnBrk="1" latinLnBrk="0" hangingPunct="1">
+              <a:spcBef>
+                <a:spcPct val="20000"/>
+              </a:spcBef>
+              <a:spcAft>
+                <a:spcPts val="600"/>
+              </a:spcAft>
+              <a:buClr>
+                <a:schemeClr val="tx1"/>
+              </a:buClr>
+              <a:buSzPct val="80000"/>
+              <a:buFont typeface="Wingdings 3" panose="05040102010807070707" pitchFamily="18" charset="2"/>
+              <a:buChar char=""/>
+              <a:defRPr sz="1400" kern="1200" cap="none">
+                <a:solidFill>
+                  <a:schemeClr val="bg2">
+                    <a:lumMod val="75000"/>
+                  </a:schemeClr>
+                </a:solidFill>
+                <a:effectLst/>
+                <a:latin typeface="+mn-lt"/>
+                <a:ea typeface="+mn-ea"/>
+                <a:cs typeface="+mn-cs"/>
+              </a:defRPr>
+            </a:lvl4pPr>
+            <a:lvl5pPr marL="2000250" indent="-171450" algn="l" defTabSz="457200" rtl="0" eaLnBrk="1" latinLnBrk="0" hangingPunct="1">
+              <a:spcBef>
+                <a:spcPct val="20000"/>
+              </a:spcBef>
+              <a:spcAft>
+                <a:spcPts val="600"/>
+              </a:spcAft>
+              <a:buClr>
+                <a:schemeClr val="tx1"/>
+              </a:buClr>
+              <a:buSzPct val="80000"/>
+              <a:buFont typeface="Wingdings 3" panose="05040102010807070707" pitchFamily="18" charset="2"/>
+              <a:buChar char=""/>
+              <a:defRPr sz="1400" kern="1200" cap="none">
+                <a:solidFill>
+                  <a:schemeClr val="bg2">
+                    <a:lumMod val="75000"/>
+                  </a:schemeClr>
+                </a:solidFill>
+                <a:effectLst/>
+                <a:latin typeface="+mn-lt"/>
+                <a:ea typeface="+mn-ea"/>
+                <a:cs typeface="+mn-cs"/>
+              </a:defRPr>
+            </a:lvl5pPr>
+            <a:lvl6pPr marL="2514600" indent="-228600" algn="l" defTabSz="457200" rtl="0" eaLnBrk="1" latinLnBrk="0" hangingPunct="1">
+              <a:spcBef>
+                <a:spcPct val="20000"/>
+              </a:spcBef>
+              <a:spcAft>
+                <a:spcPts val="600"/>
+              </a:spcAft>
+              <a:buClr>
+                <a:schemeClr val="tx1"/>
+              </a:buClr>
+              <a:buSzPct val="80000"/>
+              <a:buFont typeface="Wingdings 3" panose="05040102010807070707" pitchFamily="18" charset="2"/>
+              <a:buChar char=""/>
+              <a:defRPr sz="1400" kern="1200" cap="none">
+                <a:solidFill>
+                  <a:schemeClr val="bg2">
+                    <a:lumMod val="75000"/>
+                  </a:schemeClr>
+                </a:solidFill>
+                <a:effectLst/>
+                <a:latin typeface="+mn-lt"/>
+                <a:ea typeface="+mn-ea"/>
+                <a:cs typeface="+mn-cs"/>
+              </a:defRPr>
+            </a:lvl6pPr>
+            <a:lvl7pPr marL="2971800" indent="-228600" algn="l" defTabSz="457200" rtl="0" eaLnBrk="1" latinLnBrk="0" hangingPunct="1">
+              <a:spcBef>
+                <a:spcPct val="20000"/>
+              </a:spcBef>
+              <a:spcAft>
+                <a:spcPts val="600"/>
+              </a:spcAft>
+              <a:buClr>
+                <a:schemeClr val="tx1"/>
+              </a:buClr>
+              <a:buSzPct val="80000"/>
+              <a:buFont typeface="Wingdings 3" panose="05040102010807070707" pitchFamily="18" charset="2"/>
+              <a:buChar char=""/>
+              <a:defRPr sz="1400" kern="1200" cap="none">
+                <a:solidFill>
+                  <a:schemeClr val="bg2">
+                    <a:lumMod val="75000"/>
+                  </a:schemeClr>
+                </a:solidFill>
+                <a:effectLst/>
+                <a:latin typeface="+mn-lt"/>
+                <a:ea typeface="+mn-ea"/>
+                <a:cs typeface="+mn-cs"/>
+              </a:defRPr>
+            </a:lvl7pPr>
+            <a:lvl8pPr marL="3429000" indent="-228600" algn="l" defTabSz="457200" rtl="0" eaLnBrk="1" latinLnBrk="0" hangingPunct="1">
+              <a:spcBef>
+                <a:spcPct val="20000"/>
+              </a:spcBef>
+              <a:spcAft>
+                <a:spcPts val="600"/>
+              </a:spcAft>
+              <a:buClr>
+                <a:schemeClr val="tx1"/>
+              </a:buClr>
+              <a:buSzPct val="80000"/>
+              <a:buFont typeface="Wingdings 3" panose="05040102010807070707" pitchFamily="18" charset="2"/>
+              <a:buChar char=""/>
+              <a:defRPr sz="1400" kern="1200" cap="none">
+                <a:solidFill>
+                  <a:schemeClr val="bg2">
+                    <a:lumMod val="75000"/>
+                  </a:schemeClr>
+                </a:solidFill>
+                <a:effectLst/>
+                <a:latin typeface="+mn-lt"/>
+                <a:ea typeface="+mn-ea"/>
+                <a:cs typeface="+mn-cs"/>
+              </a:defRPr>
+            </a:lvl8pPr>
+            <a:lvl9pPr marL="3886200" indent="-228600" algn="l" defTabSz="457200" rtl="0" eaLnBrk="1" latinLnBrk="0" hangingPunct="1">
+              <a:spcBef>
+                <a:spcPct val="20000"/>
+              </a:spcBef>
+              <a:spcAft>
+                <a:spcPts val="600"/>
+              </a:spcAft>
+              <a:buClr>
+                <a:schemeClr val="tx1"/>
+              </a:buClr>
+              <a:buSzPct val="80000"/>
+              <a:buFont typeface="Wingdings 3" panose="05040102010807070707" pitchFamily="18" charset="2"/>
+              <a:buChar char=""/>
+              <a:defRPr sz="1400" kern="1200" cap="none">
+                <a:solidFill>
+                  <a:schemeClr val="bg2">
+                    <a:lumMod val="75000"/>
+                  </a:schemeClr>
+                </a:solidFill>
+                <a:effectLst/>
+                <a:latin typeface="+mn-lt"/>
+                <a:ea typeface="+mn-ea"/>
+                <a:cs typeface="+mn-cs"/>
+              </a:defRPr>
+            </a:lvl9pPr>
+          </a:lstStyle>
+          <a:p>
+            <a:pPr algn="r">
+              <a:buFont typeface="Arial" panose="020B0604020202020204" pitchFamily="34" charset="0"/>
+              <a:buChar char="•"/>
+            </a:pPr>
+            <a:r>
+              <a:rPr lang="en-IE" sz="1800" dirty="0">
+                <a:solidFill>
+                  <a:srgbClr val="FFFFFF"/>
+                </a:solidFill>
+              </a:rPr>
+              <a:t>Contracts help define system behaviour </a:t>
+            </a:r>
+          </a:p>
+          <a:p>
+            <a:pPr algn="r">
+              <a:buFont typeface="Arial" panose="020B0604020202020204" pitchFamily="34" charset="0"/>
+              <a:buChar char="•"/>
+            </a:pPr>
+            <a:r>
+              <a:rPr lang="en-IE" sz="1800" dirty="0">
+                <a:solidFill>
+                  <a:srgbClr val="FFFFFF"/>
+                </a:solidFill>
+              </a:rPr>
+              <a:t>They describe the effects of operations upon the system</a:t>
+            </a:r>
+            <a:r>
+              <a:rPr lang="en-IE" sz="1800" cap="none" dirty="0"/>
+              <a:t>. </a:t>
+            </a:r>
+          </a:p>
+          <a:p>
+            <a:pPr algn="r">
+              <a:buFont typeface="Arial" panose="020B0604020202020204" pitchFamily="34" charset="0"/>
+              <a:buChar char="•"/>
+            </a:pPr>
+            <a:r>
+              <a:rPr lang="en-IE" sz="1800" kern="1200" dirty="0">
+                <a:solidFill>
+                  <a:srgbClr val="FFFFFF"/>
+                </a:solidFill>
+                <a:effectLst/>
+                <a:latin typeface="Century Gothic" panose="020B0502020202020204" pitchFamily="34" charset="0"/>
+                <a:ea typeface="+mn-ea"/>
+                <a:cs typeface="+mn-cs"/>
+              </a:rPr>
+              <a:t>A contract is a document that describes what each system operation commits to achieve.</a:t>
+            </a:r>
+          </a:p>
+          <a:p>
+            <a:pPr algn="r">
+              <a:buFont typeface="Arial" panose="020B0604020202020204" pitchFamily="34" charset="0"/>
+              <a:buChar char="•"/>
+            </a:pPr>
+            <a:r>
+              <a:rPr lang="en-IE" sz="1800" dirty="0">
+                <a:solidFill>
+                  <a:srgbClr val="FFFFFF"/>
+                </a:solidFill>
+              </a:rPr>
+              <a:t>The </a:t>
+            </a:r>
+            <a:r>
+              <a:rPr lang="en-IE" sz="1800" dirty="0" err="1">
+                <a:solidFill>
+                  <a:srgbClr val="FFFFFF"/>
+                </a:solidFill>
+              </a:rPr>
+              <a:t>GameStateMagager</a:t>
+            </a:r>
+            <a:r>
+              <a:rPr lang="en-IE" sz="1800" dirty="0">
+                <a:solidFill>
+                  <a:srgbClr val="FFFFFF"/>
+                </a:solidFill>
+              </a:rPr>
+              <a:t> intends to create and destroy instances such as making</a:t>
+            </a:r>
+            <a:br>
+              <a:rPr lang="en-IE" sz="1800" dirty="0">
+                <a:solidFill>
+                  <a:srgbClr val="FFFFFF"/>
+                </a:solidFill>
+              </a:rPr>
+            </a:br>
+            <a:r>
+              <a:rPr lang="en-IE" sz="1800" dirty="0">
+                <a:solidFill>
+                  <a:srgbClr val="FFFFFF"/>
+                </a:solidFill>
+              </a:rPr>
+              <a:t>customers arrive to the restaurant.</a:t>
+            </a:r>
+          </a:p>
+        </p:txBody>
+      </p:sp>
     </p:spTree>
     <p:extLst>
       <p:ext uri="{BB962C8B-B14F-4D97-AF65-F5344CB8AC3E}">
@@ -8135,127 +8900,6 @@
           </a:p>
         </p:txBody>
       </p:sp>
-      <p:sp>
-        <p:nvSpPr>
-          <p:cNvPr id="2" name="Title 1">
-            <a:extLst>
-              <a:ext uri="{FF2B5EF4-FFF2-40B4-BE49-F238E27FC236}">
-                <a16:creationId xmlns:a16="http://schemas.microsoft.com/office/drawing/2014/main" id="{1F296FA3-6D30-7E12-DDB9-5D99262A0E27}"/>
-              </a:ext>
-            </a:extLst>
-          </p:cNvPr>
-          <p:cNvSpPr>
-            <a:spLocks noGrp="1"/>
-          </p:cNvSpPr>
-          <p:nvPr>
-            <p:ph type="title"/>
-          </p:nvPr>
-        </p:nvSpPr>
-        <p:spPr>
-          <a:xfrm>
-            <a:off x="1374212" y="4324665"/>
-            <a:ext cx="10076009" cy="2440119"/>
-          </a:xfrm>
-        </p:spPr>
-        <p:txBody>
-          <a:bodyPr>
-            <a:normAutofit/>
-          </a:bodyPr>
-          <a:lstStyle/>
-          <a:p>
-            <a:r>
-              <a:rPr lang="en-IE" sz="1800" dirty="0">
-                <a:solidFill>
-                  <a:srgbClr val="FFFFFF"/>
-                </a:solidFill>
-              </a:rPr>
-              <a:t>;C</a:t>
-            </a:r>
-            <a:r>
-              <a:rPr lang="en-IE" sz="1800" cap="none" dirty="0">
-                <a:solidFill>
-                  <a:srgbClr val="FFFFFF"/>
-                </a:solidFill>
-              </a:rPr>
-              <a:t>ommunication diagram</a:t>
-            </a:r>
-            <a:br>
-              <a:rPr lang="en-IE" sz="1800" cap="none" dirty="0">
-                <a:solidFill>
-                  <a:srgbClr val="FFFFFF"/>
-                </a:solidFill>
-              </a:rPr>
-            </a:br>
-            <a:r>
-              <a:rPr lang="en-IE" sz="1800" dirty="0">
-                <a:solidFill>
-                  <a:srgbClr val="FFFFFF"/>
-                </a:solidFill>
-              </a:rPr>
-              <a:t>:C</a:t>
-            </a:r>
-            <a:r>
-              <a:rPr lang="en-IE" sz="1800" cap="none" dirty="0">
-                <a:solidFill>
-                  <a:srgbClr val="FFFFFF"/>
-                </a:solidFill>
-              </a:rPr>
-              <a:t>ommunication diagrams are best used for describing communication between objects or patterns commonly executing a system operation</a:t>
-            </a:r>
-            <a:br>
-              <a:rPr lang="en-IE" sz="1800" cap="none" dirty="0">
-                <a:solidFill>
-                  <a:srgbClr val="FFFFFF"/>
-                </a:solidFill>
-              </a:rPr>
-            </a:br>
-            <a:r>
-              <a:rPr lang="en-IE" sz="1800" cap="none" dirty="0">
-                <a:solidFill>
-                  <a:srgbClr val="FFFFFF"/>
-                </a:solidFill>
-              </a:rPr>
-              <a:t>:The Singleton pattern was used to express the communication between the Customer(ai) and when they wait or walk into the restaurant.</a:t>
-            </a:r>
-            <a:br>
-              <a:rPr lang="en-IE" sz="1800" cap="none" dirty="0">
-                <a:solidFill>
-                  <a:srgbClr val="FFFFFF"/>
-                </a:solidFill>
-              </a:rPr>
-            </a:br>
-            <a:r>
-              <a:rPr lang="en-IE" sz="1800" cap="none" dirty="0">
-                <a:solidFill>
-                  <a:srgbClr val="FFFFFF"/>
-                </a:solidFill>
-              </a:rPr>
-              <a:t>:The Observer patter was used to show how the </a:t>
-            </a:r>
-            <a:r>
-              <a:rPr lang="en-IE" sz="1800" cap="none" dirty="0" err="1">
-                <a:solidFill>
-                  <a:srgbClr val="FFFFFF"/>
-                </a:solidFill>
-              </a:rPr>
-              <a:t>GameState</a:t>
-            </a:r>
-            <a:r>
-              <a:rPr lang="en-IE" sz="1800" cap="none" dirty="0">
-                <a:solidFill>
-                  <a:srgbClr val="FFFFFF"/>
-                </a:solidFill>
-              </a:rPr>
-              <a:t> Manager works accordingly to the game phases and changes things based on the phase.</a:t>
-            </a:r>
-            <a:endParaRPr lang="en-IE" sz="1800" dirty="0">
-              <a:solidFill>
-                <a:srgbClr val="FFFFFF"/>
-              </a:solidFill>
-            </a:endParaRPr>
-          </a:p>
-        </p:txBody>
-      </p:sp>
       <p:pic>
         <p:nvPicPr>
           <p:cNvPr id="5" name="Content Placeholder 4" descr="A screenshot of a computer">
@@ -8291,6 +8935,410 @@
           </a:xfrm>
         </p:spPr>
       </p:pic>
+      <p:sp>
+        <p:nvSpPr>
+          <p:cNvPr id="3" name="Subtitle 2">
+            <a:extLst>
+              <a:ext uri="{FF2B5EF4-FFF2-40B4-BE49-F238E27FC236}">
+                <a16:creationId xmlns:a16="http://schemas.microsoft.com/office/drawing/2014/main" id="{2FC9A4F9-4242-B5AA-A218-F77803DFE607}"/>
+              </a:ext>
+            </a:extLst>
+          </p:cNvPr>
+          <p:cNvSpPr txBox="1">
+            <a:spLocks/>
+          </p:cNvSpPr>
+          <p:nvPr/>
+        </p:nvSpPr>
+        <p:spPr>
+          <a:xfrm>
+            <a:off x="1406079" y="4435647"/>
+            <a:ext cx="7334810" cy="2066754"/>
+          </a:xfrm>
+          <a:prstGeom prst="rect">
+            <a:avLst/>
+          </a:prstGeom>
+        </p:spPr>
+        <p:txBody>
+          <a:bodyPr vert="horz" lIns="91440" tIns="45720" rIns="91440" bIns="45720" rtlCol="0" anchor="ctr">
+            <a:normAutofit fontScale="85000" lnSpcReduction="20000"/>
+          </a:bodyPr>
+          <a:lstStyle>
+            <a:lvl1pPr marL="285750" indent="-285750" algn="l" defTabSz="457200" rtl="0" eaLnBrk="1" latinLnBrk="0" hangingPunct="1">
+              <a:spcBef>
+                <a:spcPct val="20000"/>
+              </a:spcBef>
+              <a:spcAft>
+                <a:spcPts val="600"/>
+              </a:spcAft>
+              <a:buClr>
+                <a:schemeClr val="tx1"/>
+              </a:buClr>
+              <a:buSzPct val="80000"/>
+              <a:buFont typeface="Wingdings 3" panose="05040102010807070707" pitchFamily="18" charset="2"/>
+              <a:buChar char=""/>
+              <a:defRPr sz="2000" kern="1200" cap="none">
+                <a:solidFill>
+                  <a:schemeClr val="bg2">
+                    <a:lumMod val="75000"/>
+                  </a:schemeClr>
+                </a:solidFill>
+                <a:effectLst/>
+                <a:latin typeface="+mn-lt"/>
+                <a:ea typeface="+mn-ea"/>
+                <a:cs typeface="+mn-cs"/>
+              </a:defRPr>
+            </a:lvl1pPr>
+            <a:lvl2pPr marL="742950" indent="-285750" algn="l" defTabSz="457200" rtl="0" eaLnBrk="1" latinLnBrk="0" hangingPunct="1">
+              <a:spcBef>
+                <a:spcPct val="20000"/>
+              </a:spcBef>
+              <a:spcAft>
+                <a:spcPts val="600"/>
+              </a:spcAft>
+              <a:buClr>
+                <a:schemeClr val="tx1"/>
+              </a:buClr>
+              <a:buSzPct val="80000"/>
+              <a:buFont typeface="Wingdings 3" panose="05040102010807070707" pitchFamily="18" charset="2"/>
+              <a:buChar char=""/>
+              <a:defRPr sz="1800" kern="1200" cap="none">
+                <a:solidFill>
+                  <a:schemeClr val="bg2">
+                    <a:lumMod val="75000"/>
+                  </a:schemeClr>
+                </a:solidFill>
+                <a:effectLst/>
+                <a:latin typeface="+mn-lt"/>
+                <a:ea typeface="+mn-ea"/>
+                <a:cs typeface="+mn-cs"/>
+              </a:defRPr>
+            </a:lvl2pPr>
+            <a:lvl3pPr marL="1200150" indent="-285750" algn="l" defTabSz="457200" rtl="0" eaLnBrk="1" latinLnBrk="0" hangingPunct="1">
+              <a:spcBef>
+                <a:spcPct val="20000"/>
+              </a:spcBef>
+              <a:spcAft>
+                <a:spcPts val="600"/>
+              </a:spcAft>
+              <a:buClr>
+                <a:schemeClr val="tx1"/>
+              </a:buClr>
+              <a:buSzPct val="80000"/>
+              <a:buFont typeface="Wingdings 3" panose="05040102010807070707" pitchFamily="18" charset="2"/>
+              <a:buChar char=""/>
+              <a:defRPr sz="1600" kern="1200" cap="none">
+                <a:solidFill>
+                  <a:schemeClr val="bg2">
+                    <a:lumMod val="75000"/>
+                  </a:schemeClr>
+                </a:solidFill>
+                <a:effectLst/>
+                <a:latin typeface="+mn-lt"/>
+                <a:ea typeface="+mn-ea"/>
+                <a:cs typeface="+mn-cs"/>
+              </a:defRPr>
+            </a:lvl3pPr>
+            <a:lvl4pPr marL="1543050" indent="-171450" algn="l" defTabSz="457200" rtl="0" eaLnBrk="1" latinLnBrk="0" hangingPunct="1">
+              <a:spcBef>
+                <a:spcPct val="20000"/>
+              </a:spcBef>
+              <a:spcAft>
+                <a:spcPts val="600"/>
+              </a:spcAft>
+              <a:buClr>
+                <a:schemeClr val="tx1"/>
+              </a:buClr>
+              <a:buSzPct val="80000"/>
+              <a:buFont typeface="Wingdings 3" panose="05040102010807070707" pitchFamily="18" charset="2"/>
+              <a:buChar char=""/>
+              <a:defRPr sz="1400" kern="1200" cap="none">
+                <a:solidFill>
+                  <a:schemeClr val="bg2">
+                    <a:lumMod val="75000"/>
+                  </a:schemeClr>
+                </a:solidFill>
+                <a:effectLst/>
+                <a:latin typeface="+mn-lt"/>
+                <a:ea typeface="+mn-ea"/>
+                <a:cs typeface="+mn-cs"/>
+              </a:defRPr>
+            </a:lvl4pPr>
+            <a:lvl5pPr marL="2000250" indent="-171450" algn="l" defTabSz="457200" rtl="0" eaLnBrk="1" latinLnBrk="0" hangingPunct="1">
+              <a:spcBef>
+                <a:spcPct val="20000"/>
+              </a:spcBef>
+              <a:spcAft>
+                <a:spcPts val="600"/>
+              </a:spcAft>
+              <a:buClr>
+                <a:schemeClr val="tx1"/>
+              </a:buClr>
+              <a:buSzPct val="80000"/>
+              <a:buFont typeface="Wingdings 3" panose="05040102010807070707" pitchFamily="18" charset="2"/>
+              <a:buChar char=""/>
+              <a:defRPr sz="1400" kern="1200" cap="none">
+                <a:solidFill>
+                  <a:schemeClr val="bg2">
+                    <a:lumMod val="75000"/>
+                  </a:schemeClr>
+                </a:solidFill>
+                <a:effectLst/>
+                <a:latin typeface="+mn-lt"/>
+                <a:ea typeface="+mn-ea"/>
+                <a:cs typeface="+mn-cs"/>
+              </a:defRPr>
+            </a:lvl5pPr>
+            <a:lvl6pPr marL="2514600" indent="-228600" algn="l" defTabSz="457200" rtl="0" eaLnBrk="1" latinLnBrk="0" hangingPunct="1">
+              <a:spcBef>
+                <a:spcPct val="20000"/>
+              </a:spcBef>
+              <a:spcAft>
+                <a:spcPts val="600"/>
+              </a:spcAft>
+              <a:buClr>
+                <a:schemeClr val="tx1"/>
+              </a:buClr>
+              <a:buSzPct val="80000"/>
+              <a:buFont typeface="Wingdings 3" panose="05040102010807070707" pitchFamily="18" charset="2"/>
+              <a:buChar char=""/>
+              <a:defRPr sz="1400" kern="1200" cap="none">
+                <a:solidFill>
+                  <a:schemeClr val="bg2">
+                    <a:lumMod val="75000"/>
+                  </a:schemeClr>
+                </a:solidFill>
+                <a:effectLst/>
+                <a:latin typeface="+mn-lt"/>
+                <a:ea typeface="+mn-ea"/>
+                <a:cs typeface="+mn-cs"/>
+              </a:defRPr>
+            </a:lvl6pPr>
+            <a:lvl7pPr marL="2971800" indent="-228600" algn="l" defTabSz="457200" rtl="0" eaLnBrk="1" latinLnBrk="0" hangingPunct="1">
+              <a:spcBef>
+                <a:spcPct val="20000"/>
+              </a:spcBef>
+              <a:spcAft>
+                <a:spcPts val="600"/>
+              </a:spcAft>
+              <a:buClr>
+                <a:schemeClr val="tx1"/>
+              </a:buClr>
+              <a:buSzPct val="80000"/>
+              <a:buFont typeface="Wingdings 3" panose="05040102010807070707" pitchFamily="18" charset="2"/>
+              <a:buChar char=""/>
+              <a:defRPr sz="1400" kern="1200" cap="none">
+                <a:solidFill>
+                  <a:schemeClr val="bg2">
+                    <a:lumMod val="75000"/>
+                  </a:schemeClr>
+                </a:solidFill>
+                <a:effectLst/>
+                <a:latin typeface="+mn-lt"/>
+                <a:ea typeface="+mn-ea"/>
+                <a:cs typeface="+mn-cs"/>
+              </a:defRPr>
+            </a:lvl7pPr>
+            <a:lvl8pPr marL="3429000" indent="-228600" algn="l" defTabSz="457200" rtl="0" eaLnBrk="1" latinLnBrk="0" hangingPunct="1">
+              <a:spcBef>
+                <a:spcPct val="20000"/>
+              </a:spcBef>
+              <a:spcAft>
+                <a:spcPts val="600"/>
+              </a:spcAft>
+              <a:buClr>
+                <a:schemeClr val="tx1"/>
+              </a:buClr>
+              <a:buSzPct val="80000"/>
+              <a:buFont typeface="Wingdings 3" panose="05040102010807070707" pitchFamily="18" charset="2"/>
+              <a:buChar char=""/>
+              <a:defRPr sz="1400" kern="1200" cap="none">
+                <a:solidFill>
+                  <a:schemeClr val="bg2">
+                    <a:lumMod val="75000"/>
+                  </a:schemeClr>
+                </a:solidFill>
+                <a:effectLst/>
+                <a:latin typeface="+mn-lt"/>
+                <a:ea typeface="+mn-ea"/>
+                <a:cs typeface="+mn-cs"/>
+              </a:defRPr>
+            </a:lvl8pPr>
+            <a:lvl9pPr marL="3886200" indent="-228600" algn="l" defTabSz="457200" rtl="0" eaLnBrk="1" latinLnBrk="0" hangingPunct="1">
+              <a:spcBef>
+                <a:spcPct val="20000"/>
+              </a:spcBef>
+              <a:spcAft>
+                <a:spcPts val="600"/>
+              </a:spcAft>
+              <a:buClr>
+                <a:schemeClr val="tx1"/>
+              </a:buClr>
+              <a:buSzPct val="80000"/>
+              <a:buFont typeface="Wingdings 3" panose="05040102010807070707" pitchFamily="18" charset="2"/>
+              <a:buChar char=""/>
+              <a:defRPr sz="1400" kern="1200" cap="none">
+                <a:solidFill>
+                  <a:schemeClr val="bg2">
+                    <a:lumMod val="75000"/>
+                  </a:schemeClr>
+                </a:solidFill>
+                <a:effectLst/>
+                <a:latin typeface="+mn-lt"/>
+                <a:ea typeface="+mn-ea"/>
+                <a:cs typeface="+mn-cs"/>
+              </a:defRPr>
+            </a:lvl9pPr>
+          </a:lstStyle>
+          <a:p>
+            <a:pPr marL="0" indent="0">
+              <a:buNone/>
+            </a:pPr>
+            <a:r>
+              <a:rPr lang="en-IE" sz="2400" b="1" dirty="0">
+                <a:solidFill>
+                  <a:srgbClr val="FFFFFF"/>
+                </a:solidFill>
+              </a:rPr>
+              <a:t>C</a:t>
+            </a:r>
+            <a:r>
+              <a:rPr lang="en-IE" sz="2400" b="1" cap="none" dirty="0">
+                <a:solidFill>
+                  <a:srgbClr val="FFFFFF"/>
+                </a:solidFill>
+              </a:rPr>
+              <a:t>ommunication diagram </a:t>
+            </a:r>
+          </a:p>
+          <a:p>
+            <a:pPr>
+              <a:buFont typeface="Arial" panose="020B0604020202020204" pitchFamily="34" charset="0"/>
+              <a:buChar char="•"/>
+            </a:pPr>
+            <a:r>
+              <a:rPr lang="en-IE" sz="1800" dirty="0">
+                <a:solidFill>
+                  <a:srgbClr val="FFFFFF"/>
+                </a:solidFill>
+              </a:rPr>
+              <a:t>C</a:t>
+            </a:r>
+            <a:r>
+              <a:rPr lang="en-IE" sz="1800" cap="none" dirty="0">
+                <a:solidFill>
+                  <a:srgbClr val="FFFFFF"/>
+                </a:solidFill>
+              </a:rPr>
+              <a:t>ommunication diagrams are best used for describing communication between objects or patterns commonly executing a system operation </a:t>
+            </a:r>
+          </a:p>
+          <a:p>
+            <a:pPr>
+              <a:buFont typeface="Arial" panose="020B0604020202020204" pitchFamily="34" charset="0"/>
+              <a:buChar char="•"/>
+            </a:pPr>
+            <a:r>
+              <a:rPr lang="en-IE" sz="1800" cap="none" dirty="0">
+                <a:solidFill>
+                  <a:srgbClr val="FFFFFF"/>
+                </a:solidFill>
+              </a:rPr>
+              <a:t>The Singleton pattern is used to allow any class to access the single instance of </a:t>
+            </a:r>
+            <a:r>
+              <a:rPr lang="en-IE" sz="1800" cap="none" dirty="0" err="1">
+                <a:solidFill>
+                  <a:srgbClr val="FFFFFF"/>
+                </a:solidFill>
+              </a:rPr>
+              <a:t>DoorPoint</a:t>
+            </a:r>
+            <a:r>
+              <a:rPr lang="en-IE" sz="1800" cap="none" dirty="0">
+                <a:solidFill>
+                  <a:srgbClr val="FFFFFF"/>
+                </a:solidFill>
+              </a:rPr>
+              <a:t> from any class using the static </a:t>
+            </a:r>
+            <a:r>
+              <a:rPr lang="en-IE" sz="1800" cap="none" dirty="0" err="1">
+                <a:solidFill>
+                  <a:srgbClr val="FFFFFF"/>
+                </a:solidFill>
+              </a:rPr>
+              <a:t>getInstance</a:t>
+            </a:r>
+            <a:r>
+              <a:rPr lang="en-IE" sz="1800" cap="none" dirty="0">
+                <a:solidFill>
+                  <a:srgbClr val="FFFFFF"/>
+                </a:solidFill>
+              </a:rPr>
+              <a:t> method</a:t>
+            </a:r>
+          </a:p>
+          <a:p>
+            <a:pPr>
+              <a:buFont typeface="Arial" panose="020B0604020202020204" pitchFamily="34" charset="0"/>
+              <a:buChar char="•"/>
+            </a:pPr>
+            <a:r>
+              <a:rPr lang="en-IE" sz="1800" cap="none" dirty="0">
+                <a:solidFill>
+                  <a:srgbClr val="FFFFFF"/>
+                </a:solidFill>
+              </a:rPr>
+              <a:t>The Observer pattern describes how the </a:t>
+            </a:r>
+            <a:r>
+              <a:rPr lang="en-IE" sz="1800" cap="none" dirty="0" err="1">
+                <a:solidFill>
+                  <a:srgbClr val="FFFFFF"/>
+                </a:solidFill>
+              </a:rPr>
+              <a:t>GameStateManager</a:t>
+            </a:r>
+            <a:r>
+              <a:rPr lang="en-IE" sz="1800" cap="none" dirty="0">
+                <a:solidFill>
+                  <a:srgbClr val="FFFFFF"/>
+                </a:solidFill>
+              </a:rPr>
+              <a:t> allows any class to listen to the </a:t>
+            </a:r>
+            <a:r>
+              <a:rPr lang="en-IE" sz="1800" cap="none" dirty="0" err="1">
+                <a:solidFill>
+                  <a:srgbClr val="FFFFFF"/>
+                </a:solidFill>
+              </a:rPr>
+              <a:t>OnStateChange</a:t>
+            </a:r>
+            <a:r>
+              <a:rPr lang="en-IE" sz="1800" cap="none" dirty="0">
+                <a:solidFill>
+                  <a:srgbClr val="FFFFFF"/>
+                </a:solidFill>
+              </a:rPr>
+              <a:t> event, and call functions when </a:t>
+            </a:r>
+            <a:r>
+              <a:rPr lang="en-IE" sz="1800" cap="none">
+                <a:solidFill>
+                  <a:srgbClr val="FFFFFF"/>
+                </a:solidFill>
+              </a:rPr>
+              <a:t>it occurs</a:t>
+            </a:r>
+            <a:endParaRPr lang="en-IE" sz="1800" dirty="0">
+              <a:solidFill>
+                <a:srgbClr val="FFFFFF"/>
+              </a:solidFill>
+            </a:endParaRPr>
+          </a:p>
+        </p:txBody>
+      </p:sp>
     </p:spTree>
     <p:extLst>
       <p:ext uri="{BB962C8B-B14F-4D97-AF65-F5344CB8AC3E}">

--- a/External/Documentation/Software Engineering Presentation.pptx
+++ b/External/Documentation/Software Engineering Presentation.pptx
@@ -4,6 +4,9 @@
   <p:sldMasterIdLst>
     <p:sldMasterId id="2147483660" r:id="rId1"/>
   </p:sldMasterIdLst>
+  <p:notesMasterIdLst>
+    <p:notesMasterId r:id="rId8"/>
+  </p:notesMasterIdLst>
   <p:sldIdLst>
     <p:sldId id="256" r:id="rId2"/>
     <p:sldId id="257" r:id="rId3"/>
@@ -129,6 +132,582 @@
     </p:ext>
   </p:extLst>
 </p:presentation>
+</file>
+
+<file path=ppt/notesMasters/notesMaster1.xml><?xml version="1.0" encoding="utf-8"?>
+<p:notesMaster xmlns:a="http://schemas.openxmlformats.org/drawingml/2006/main" xmlns:r="http://schemas.openxmlformats.org/officeDocument/2006/relationships" xmlns:p="http://schemas.openxmlformats.org/presentationml/2006/main">
+  <p:cSld>
+    <p:bg>
+      <p:bgRef idx="1001">
+        <a:schemeClr val="bg1"/>
+      </p:bgRef>
+    </p:bg>
+    <p:spTree>
+      <p:nvGrpSpPr>
+        <p:cNvPr id="1" name=""/>
+        <p:cNvGrpSpPr/>
+        <p:nvPr/>
+      </p:nvGrpSpPr>
+      <p:grpSpPr>
+        <a:xfrm>
+          <a:off x="0" y="0"/>
+          <a:ext cx="0" cy="0"/>
+          <a:chOff x="0" y="0"/>
+          <a:chExt cx="0" cy="0"/>
+        </a:xfrm>
+      </p:grpSpPr>
+      <p:sp>
+        <p:nvSpPr>
+          <p:cNvPr id="2" name="Header Placeholder 1"/>
+          <p:cNvSpPr>
+            <a:spLocks noGrp="1"/>
+          </p:cNvSpPr>
+          <p:nvPr>
+            <p:ph type="hdr" sz="quarter"/>
+          </p:nvPr>
+        </p:nvSpPr>
+        <p:spPr>
+          <a:xfrm>
+            <a:off x="0" y="0"/>
+            <a:ext cx="2971800" cy="458788"/>
+          </a:xfrm>
+          <a:prstGeom prst="rect">
+            <a:avLst/>
+          </a:prstGeom>
+        </p:spPr>
+        <p:txBody>
+          <a:bodyPr vert="horz" lIns="91440" tIns="45720" rIns="91440" bIns="45720" rtlCol="0"/>
+          <a:lstStyle>
+            <a:lvl1pPr algn="l">
+              <a:defRPr sz="1200"/>
+            </a:lvl1pPr>
+          </a:lstStyle>
+          <a:p>
+            <a:endParaRPr lang="en-IE"/>
+          </a:p>
+        </p:txBody>
+      </p:sp>
+      <p:sp>
+        <p:nvSpPr>
+          <p:cNvPr id="3" name="Date Placeholder 2"/>
+          <p:cNvSpPr>
+            <a:spLocks noGrp="1"/>
+          </p:cNvSpPr>
+          <p:nvPr>
+            <p:ph type="dt" idx="1"/>
+          </p:nvPr>
+        </p:nvSpPr>
+        <p:spPr>
+          <a:xfrm>
+            <a:off x="3884613" y="0"/>
+            <a:ext cx="2971800" cy="458788"/>
+          </a:xfrm>
+          <a:prstGeom prst="rect">
+            <a:avLst/>
+          </a:prstGeom>
+        </p:spPr>
+        <p:txBody>
+          <a:bodyPr vert="horz" lIns="91440" tIns="45720" rIns="91440" bIns="45720" rtlCol="0"/>
+          <a:lstStyle>
+            <a:lvl1pPr algn="r">
+              <a:defRPr sz="1200"/>
+            </a:lvl1pPr>
+          </a:lstStyle>
+          <a:p>
+            <a:fld id="{29BE90E8-5079-4C07-A88B-38989431C34C}" type="datetimeFigureOut">
+              <a:rPr lang="en-IE" smtClean="0"/>
+              <a:t>31/03/2023</a:t>
+            </a:fld>
+            <a:endParaRPr lang="en-IE"/>
+          </a:p>
+        </p:txBody>
+      </p:sp>
+      <p:sp>
+        <p:nvSpPr>
+          <p:cNvPr id="4" name="Slide Image Placeholder 3"/>
+          <p:cNvSpPr>
+            <a:spLocks noGrp="1" noRot="1" noChangeAspect="1"/>
+          </p:cNvSpPr>
+          <p:nvPr>
+            <p:ph type="sldImg" idx="2"/>
+          </p:nvPr>
+        </p:nvSpPr>
+        <p:spPr>
+          <a:xfrm>
+            <a:off x="685800" y="1143000"/>
+            <a:ext cx="5486400" cy="3086100"/>
+          </a:xfrm>
+          <a:prstGeom prst="rect">
+            <a:avLst/>
+          </a:prstGeom>
+          <a:noFill/>
+          <a:ln w="12700">
+            <a:solidFill>
+              <a:prstClr val="black"/>
+            </a:solidFill>
+          </a:ln>
+        </p:spPr>
+        <p:txBody>
+          <a:bodyPr vert="horz" lIns="91440" tIns="45720" rIns="91440" bIns="45720" rtlCol="0" anchor="ctr"/>
+          <a:lstStyle/>
+          <a:p>
+            <a:endParaRPr lang="en-IE"/>
+          </a:p>
+        </p:txBody>
+      </p:sp>
+      <p:sp>
+        <p:nvSpPr>
+          <p:cNvPr id="5" name="Notes Placeholder 4"/>
+          <p:cNvSpPr>
+            <a:spLocks noGrp="1"/>
+          </p:cNvSpPr>
+          <p:nvPr>
+            <p:ph type="body" sz="quarter" idx="3"/>
+          </p:nvPr>
+        </p:nvSpPr>
+        <p:spPr>
+          <a:xfrm>
+            <a:off x="685800" y="4400550"/>
+            <a:ext cx="5486400" cy="3600450"/>
+          </a:xfrm>
+          <a:prstGeom prst="rect">
+            <a:avLst/>
+          </a:prstGeom>
+        </p:spPr>
+        <p:txBody>
+          <a:bodyPr vert="horz" lIns="91440" tIns="45720" rIns="91440" bIns="45720" rtlCol="0"/>
+          <a:lstStyle/>
+          <a:p>
+            <a:pPr lvl="0"/>
+            <a:r>
+              <a:rPr lang="en-US"/>
+              <a:t>Click to edit Master text styles</a:t>
+            </a:r>
+          </a:p>
+          <a:p>
+            <a:pPr lvl="1"/>
+            <a:r>
+              <a:rPr lang="en-US"/>
+              <a:t>Second level</a:t>
+            </a:r>
+          </a:p>
+          <a:p>
+            <a:pPr lvl="2"/>
+            <a:r>
+              <a:rPr lang="en-US"/>
+              <a:t>Third level</a:t>
+            </a:r>
+          </a:p>
+          <a:p>
+            <a:pPr lvl="3"/>
+            <a:r>
+              <a:rPr lang="en-US"/>
+              <a:t>Fourth level</a:t>
+            </a:r>
+          </a:p>
+          <a:p>
+            <a:pPr lvl="4"/>
+            <a:r>
+              <a:rPr lang="en-US"/>
+              <a:t>Fifth level</a:t>
+            </a:r>
+            <a:endParaRPr lang="en-IE"/>
+          </a:p>
+        </p:txBody>
+      </p:sp>
+      <p:sp>
+        <p:nvSpPr>
+          <p:cNvPr id="6" name="Footer Placeholder 5"/>
+          <p:cNvSpPr>
+            <a:spLocks noGrp="1"/>
+          </p:cNvSpPr>
+          <p:nvPr>
+            <p:ph type="ftr" sz="quarter" idx="4"/>
+          </p:nvPr>
+        </p:nvSpPr>
+        <p:spPr>
+          <a:xfrm>
+            <a:off x="0" y="8685213"/>
+            <a:ext cx="2971800" cy="458787"/>
+          </a:xfrm>
+          <a:prstGeom prst="rect">
+            <a:avLst/>
+          </a:prstGeom>
+        </p:spPr>
+        <p:txBody>
+          <a:bodyPr vert="horz" lIns="91440" tIns="45720" rIns="91440" bIns="45720" rtlCol="0" anchor="b"/>
+          <a:lstStyle>
+            <a:lvl1pPr algn="l">
+              <a:defRPr sz="1200"/>
+            </a:lvl1pPr>
+          </a:lstStyle>
+          <a:p>
+            <a:endParaRPr lang="en-IE"/>
+          </a:p>
+        </p:txBody>
+      </p:sp>
+      <p:sp>
+        <p:nvSpPr>
+          <p:cNvPr id="7" name="Slide Number Placeholder 6"/>
+          <p:cNvSpPr>
+            <a:spLocks noGrp="1"/>
+          </p:cNvSpPr>
+          <p:nvPr>
+            <p:ph type="sldNum" sz="quarter" idx="5"/>
+          </p:nvPr>
+        </p:nvSpPr>
+        <p:spPr>
+          <a:xfrm>
+            <a:off x="3884613" y="8685213"/>
+            <a:ext cx="2971800" cy="458787"/>
+          </a:xfrm>
+          <a:prstGeom prst="rect">
+            <a:avLst/>
+          </a:prstGeom>
+        </p:spPr>
+        <p:txBody>
+          <a:bodyPr vert="horz" lIns="91440" tIns="45720" rIns="91440" bIns="45720" rtlCol="0" anchor="b"/>
+          <a:lstStyle>
+            <a:lvl1pPr algn="r">
+              <a:defRPr sz="1200"/>
+            </a:lvl1pPr>
+          </a:lstStyle>
+          <a:p>
+            <a:fld id="{87EAFACF-6BAC-48A9-A56C-5A005C56A78E}" type="slidenum">
+              <a:rPr lang="en-IE" smtClean="0"/>
+              <a:t>‹#›</a:t>
+            </a:fld>
+            <a:endParaRPr lang="en-IE"/>
+          </a:p>
+        </p:txBody>
+      </p:sp>
+    </p:spTree>
+    <p:extLst>
+      <p:ext uri="{BB962C8B-B14F-4D97-AF65-F5344CB8AC3E}">
+        <p14:creationId xmlns:p14="http://schemas.microsoft.com/office/powerpoint/2010/main" val="407167882"/>
+      </p:ext>
+    </p:extLst>
+  </p:cSld>
+  <p:clrMap bg1="lt1" tx1="dk1" bg2="lt2" tx2="dk2" accent1="accent1" accent2="accent2" accent3="accent3" accent4="accent4" accent5="accent5" accent6="accent6" hlink="hlink" folHlink="folHlink"/>
+  <p:notesStyle>
+    <a:lvl1pPr marL="0" algn="l" defTabSz="914400" rtl="0" eaLnBrk="1" latinLnBrk="0" hangingPunct="1">
+      <a:defRPr sz="1200" kern="1200">
+        <a:solidFill>
+          <a:schemeClr val="tx1"/>
+        </a:solidFill>
+        <a:latin typeface="+mn-lt"/>
+        <a:ea typeface="+mn-ea"/>
+        <a:cs typeface="+mn-cs"/>
+      </a:defRPr>
+    </a:lvl1pPr>
+    <a:lvl2pPr marL="457200" algn="l" defTabSz="914400" rtl="0" eaLnBrk="1" latinLnBrk="0" hangingPunct="1">
+      <a:defRPr sz="1200" kern="1200">
+        <a:solidFill>
+          <a:schemeClr val="tx1"/>
+        </a:solidFill>
+        <a:latin typeface="+mn-lt"/>
+        <a:ea typeface="+mn-ea"/>
+        <a:cs typeface="+mn-cs"/>
+      </a:defRPr>
+    </a:lvl2pPr>
+    <a:lvl3pPr marL="914400" algn="l" defTabSz="914400" rtl="0" eaLnBrk="1" latinLnBrk="0" hangingPunct="1">
+      <a:defRPr sz="1200" kern="1200">
+        <a:solidFill>
+          <a:schemeClr val="tx1"/>
+        </a:solidFill>
+        <a:latin typeface="+mn-lt"/>
+        <a:ea typeface="+mn-ea"/>
+        <a:cs typeface="+mn-cs"/>
+      </a:defRPr>
+    </a:lvl3pPr>
+    <a:lvl4pPr marL="1371600" algn="l" defTabSz="914400" rtl="0" eaLnBrk="1" latinLnBrk="0" hangingPunct="1">
+      <a:defRPr sz="1200" kern="1200">
+        <a:solidFill>
+          <a:schemeClr val="tx1"/>
+        </a:solidFill>
+        <a:latin typeface="+mn-lt"/>
+        <a:ea typeface="+mn-ea"/>
+        <a:cs typeface="+mn-cs"/>
+      </a:defRPr>
+    </a:lvl4pPr>
+    <a:lvl5pPr marL="1828800" algn="l" defTabSz="914400" rtl="0" eaLnBrk="1" latinLnBrk="0" hangingPunct="1">
+      <a:defRPr sz="1200" kern="1200">
+        <a:solidFill>
+          <a:schemeClr val="tx1"/>
+        </a:solidFill>
+        <a:latin typeface="+mn-lt"/>
+        <a:ea typeface="+mn-ea"/>
+        <a:cs typeface="+mn-cs"/>
+      </a:defRPr>
+    </a:lvl5pPr>
+    <a:lvl6pPr marL="2286000" algn="l" defTabSz="914400" rtl="0" eaLnBrk="1" latinLnBrk="0" hangingPunct="1">
+      <a:defRPr sz="1200" kern="1200">
+        <a:solidFill>
+          <a:schemeClr val="tx1"/>
+        </a:solidFill>
+        <a:latin typeface="+mn-lt"/>
+        <a:ea typeface="+mn-ea"/>
+        <a:cs typeface="+mn-cs"/>
+      </a:defRPr>
+    </a:lvl6pPr>
+    <a:lvl7pPr marL="2743200" algn="l" defTabSz="914400" rtl="0" eaLnBrk="1" latinLnBrk="0" hangingPunct="1">
+      <a:defRPr sz="1200" kern="1200">
+        <a:solidFill>
+          <a:schemeClr val="tx1"/>
+        </a:solidFill>
+        <a:latin typeface="+mn-lt"/>
+        <a:ea typeface="+mn-ea"/>
+        <a:cs typeface="+mn-cs"/>
+      </a:defRPr>
+    </a:lvl7pPr>
+    <a:lvl8pPr marL="3200400" algn="l" defTabSz="914400" rtl="0" eaLnBrk="1" latinLnBrk="0" hangingPunct="1">
+      <a:defRPr sz="1200" kern="1200">
+        <a:solidFill>
+          <a:schemeClr val="tx1"/>
+        </a:solidFill>
+        <a:latin typeface="+mn-lt"/>
+        <a:ea typeface="+mn-ea"/>
+        <a:cs typeface="+mn-cs"/>
+      </a:defRPr>
+    </a:lvl8pPr>
+    <a:lvl9pPr marL="3657600" algn="l" defTabSz="914400" rtl="0" eaLnBrk="1" latinLnBrk="0" hangingPunct="1">
+      <a:defRPr sz="1200" kern="1200">
+        <a:solidFill>
+          <a:schemeClr val="tx1"/>
+        </a:solidFill>
+        <a:latin typeface="+mn-lt"/>
+        <a:ea typeface="+mn-ea"/>
+        <a:cs typeface="+mn-cs"/>
+      </a:defRPr>
+    </a:lvl9pPr>
+  </p:notesStyle>
+</p:notesMaster>
+</file>
+
+<file path=ppt/notesSlides/notesSlide1.xml><?xml version="1.0" encoding="utf-8"?>
+<p:notes xmlns:a="http://schemas.openxmlformats.org/drawingml/2006/main" xmlns:r="http://schemas.openxmlformats.org/officeDocument/2006/relationships" xmlns:p="http://schemas.openxmlformats.org/presentationml/2006/main">
+  <p:cSld>
+    <p:spTree>
+      <p:nvGrpSpPr>
+        <p:cNvPr id="1" name=""/>
+        <p:cNvGrpSpPr/>
+        <p:nvPr/>
+      </p:nvGrpSpPr>
+      <p:grpSpPr>
+        <a:xfrm>
+          <a:off x="0" y="0"/>
+          <a:ext cx="0" cy="0"/>
+          <a:chOff x="0" y="0"/>
+          <a:chExt cx="0" cy="0"/>
+        </a:xfrm>
+      </p:grpSpPr>
+      <p:sp>
+        <p:nvSpPr>
+          <p:cNvPr id="2" name="Slide Image Placeholder 1"/>
+          <p:cNvSpPr>
+            <a:spLocks noGrp="1" noRot="1" noChangeAspect="1"/>
+          </p:cNvSpPr>
+          <p:nvPr>
+            <p:ph type="sldImg"/>
+          </p:nvPr>
+        </p:nvSpPr>
+        <p:spPr/>
+      </p:sp>
+      <p:sp>
+        <p:nvSpPr>
+          <p:cNvPr id="3" name="Notes Placeholder 2"/>
+          <p:cNvSpPr>
+            <a:spLocks noGrp="1"/>
+          </p:cNvSpPr>
+          <p:nvPr>
+            <p:ph type="body" idx="1"/>
+          </p:nvPr>
+        </p:nvSpPr>
+        <p:spPr/>
+        <p:txBody>
+          <a:bodyPr/>
+          <a:lstStyle/>
+          <a:p>
+            <a:pPr marL="171450" indent="-171450">
+              <a:buFont typeface="Arial" panose="020B0604020202020204" pitchFamily="34" charset="0"/>
+              <a:buChar char="•"/>
+            </a:pPr>
+            <a:r>
+              <a:rPr lang="en-GB" dirty="0"/>
+              <a:t>Here are two comm diagrams, showing two design patterns</a:t>
+            </a:r>
+          </a:p>
+          <a:p>
+            <a:pPr marL="171450" indent="-171450">
+              <a:buFont typeface="Arial" panose="020B0604020202020204" pitchFamily="34" charset="0"/>
+              <a:buChar char="•"/>
+            </a:pPr>
+            <a:r>
+              <a:rPr lang="en-GB" dirty="0"/>
+              <a:t>Singleton</a:t>
+            </a:r>
+          </a:p>
+          <a:p>
+            <a:pPr marL="628650" lvl="1" indent="-171450">
+              <a:buFont typeface="Arial" panose="020B0604020202020204" pitchFamily="34" charset="0"/>
+              <a:buChar char="•"/>
+            </a:pPr>
+            <a:r>
+              <a:rPr lang="en-GB" dirty="0" err="1"/>
+              <a:t>DoorPoint</a:t>
+            </a:r>
+            <a:r>
+              <a:rPr lang="en-GB" dirty="0"/>
+              <a:t> is singleton. There will only ever be one </a:t>
+            </a:r>
+            <a:r>
+              <a:rPr lang="en-GB" dirty="0" err="1"/>
+              <a:t>doorpoint</a:t>
+            </a:r>
+            <a:r>
+              <a:rPr lang="en-GB" dirty="0"/>
+              <a:t>. </a:t>
+            </a:r>
+          </a:p>
+          <a:p>
+            <a:pPr marL="628650" lvl="1" indent="-171450">
+              <a:buFont typeface="Arial" panose="020B0604020202020204" pitchFamily="34" charset="0"/>
+              <a:buChar char="•"/>
+            </a:pPr>
+            <a:r>
+              <a:rPr lang="en-GB" dirty="0"/>
+              <a:t>When </a:t>
+            </a:r>
+            <a:r>
+              <a:rPr lang="en-GB" dirty="0" err="1"/>
+              <a:t>doorpoint</a:t>
+            </a:r>
+            <a:r>
+              <a:rPr lang="en-GB" dirty="0"/>
+              <a:t> created, </a:t>
+            </a:r>
+            <a:r>
+              <a:rPr lang="en-GB" dirty="0" err="1"/>
+              <a:t>doorpoint</a:t>
+            </a:r>
+            <a:r>
+              <a:rPr lang="en-GB" dirty="0"/>
+              <a:t> stores static reference of itself. </a:t>
+            </a:r>
+          </a:p>
+          <a:p>
+            <a:pPr marL="628650" lvl="1" indent="-171450">
+              <a:buFont typeface="Arial" panose="020B0604020202020204" pitchFamily="34" charset="0"/>
+              <a:buChar char="•"/>
+            </a:pPr>
+            <a:r>
+              <a:rPr lang="en-GB" dirty="0"/>
+              <a:t>Static getter used to allow any class to reference instance</a:t>
+            </a:r>
+          </a:p>
+          <a:p>
+            <a:pPr marL="171450" lvl="0" indent="-171450">
+              <a:buFont typeface="Arial" panose="020B0604020202020204" pitchFamily="34" charset="0"/>
+              <a:buChar char="•"/>
+            </a:pPr>
+            <a:r>
+              <a:rPr lang="en-GB" dirty="0"/>
+              <a:t>Observer</a:t>
+            </a:r>
+          </a:p>
+          <a:p>
+            <a:pPr marL="628650" lvl="1" indent="-171450">
+              <a:buFont typeface="Arial" panose="020B0604020202020204" pitchFamily="34" charset="0"/>
+              <a:buChar char="•"/>
+            </a:pPr>
+            <a:r>
+              <a:rPr lang="en-GB" dirty="0" err="1"/>
+              <a:t>GameStateManager</a:t>
+            </a:r>
+            <a:r>
+              <a:rPr lang="en-GB" dirty="0"/>
+              <a:t> has event for when it’s state changes</a:t>
+            </a:r>
+          </a:p>
+          <a:p>
+            <a:pPr marL="628650" lvl="1" indent="-171450">
+              <a:buFont typeface="Arial" panose="020B0604020202020204" pitchFamily="34" charset="0"/>
+              <a:buChar char="•"/>
+            </a:pPr>
+            <a:r>
+              <a:rPr lang="en-GB" dirty="0"/>
+              <a:t>Using the </a:t>
+            </a:r>
+            <a:r>
+              <a:rPr lang="en-GB" dirty="0" err="1"/>
+              <a:t>GameStateManager</a:t>
+            </a:r>
+            <a:r>
+              <a:rPr lang="en-GB" dirty="0"/>
+              <a:t> instance, any class can add a listener</a:t>
+            </a:r>
+          </a:p>
+          <a:p>
+            <a:pPr marL="628650" lvl="1" indent="-171450">
+              <a:buFont typeface="Arial" panose="020B0604020202020204" pitchFamily="34" charset="0"/>
+              <a:buChar char="•"/>
+            </a:pPr>
+            <a:r>
+              <a:rPr lang="en-GB" dirty="0"/>
+              <a:t>Listeners are </a:t>
+            </a:r>
+            <a:r>
+              <a:rPr lang="en-GB" dirty="0" err="1"/>
+              <a:t>functios</a:t>
+            </a:r>
+            <a:r>
+              <a:rPr lang="en-GB" dirty="0"/>
+              <a:t> with specific arguments, in this case the new state</a:t>
+            </a:r>
+          </a:p>
+          <a:p>
+            <a:pPr marL="171450" lvl="0" indent="-171450">
+              <a:buFontTx/>
+              <a:buChar char="-"/>
+            </a:pPr>
+            <a:endParaRPr lang="en-IE" dirty="0"/>
+          </a:p>
+        </p:txBody>
+      </p:sp>
+      <p:sp>
+        <p:nvSpPr>
+          <p:cNvPr id="4" name="Slide Number Placeholder 3"/>
+          <p:cNvSpPr>
+            <a:spLocks noGrp="1"/>
+          </p:cNvSpPr>
+          <p:nvPr>
+            <p:ph type="sldNum" sz="quarter" idx="5"/>
+          </p:nvPr>
+        </p:nvSpPr>
+        <p:spPr/>
+        <p:txBody>
+          <a:bodyPr/>
+          <a:lstStyle/>
+          <a:p>
+            <a:fld id="{87EAFACF-6BAC-48A9-A56C-5A005C56A78E}" type="slidenum">
+              <a:rPr lang="en-IE" smtClean="0"/>
+              <a:t>6</a:t>
+            </a:fld>
+            <a:endParaRPr lang="en-IE"/>
+          </a:p>
+        </p:txBody>
+      </p:sp>
+    </p:spTree>
+    <p:extLst>
+      <p:ext uri="{BB962C8B-B14F-4D97-AF65-F5344CB8AC3E}">
+        <p14:creationId xmlns:p14="http://schemas.microsoft.com/office/powerpoint/2010/main" val="2721491555"/>
+      </p:ext>
+    </p:extLst>
+  </p:cSld>
+  <p:clrMapOvr>
+    <a:masterClrMapping/>
+  </p:clrMapOvr>
+</p:notes>
 </file>
 
 <file path=ppt/slideLayouts/slideLayout1.xml><?xml version="1.0" encoding="utf-8"?>
@@ -8917,7 +9496,7 @@
           </p:nvPr>
         </p:nvPicPr>
         <p:blipFill>
-          <a:blip r:embed="rId2">
+          <a:blip r:embed="rId3">
             <a:extLst>
               <a:ext uri="{28A0092B-C50C-407E-A947-70E740481C1C}">
                 <a14:useLocalDpi xmlns:a14="http://schemas.microsoft.com/office/drawing/2010/main" val="0"/>
@@ -9624,4 +10203,299 @@
     </a:ext>
   </a:extLst>
 </a:theme>
+</file>
+
+<file path=ppt/theme/theme2.xml><?xml version="1.0" encoding="utf-8"?>
+<a:theme xmlns:a="http://schemas.openxmlformats.org/drawingml/2006/main" name="Office Theme">
+  <a:themeElements>
+    <a:clrScheme name="Office">
+      <a:dk1>
+        <a:sysClr val="windowText" lastClr="000000"/>
+      </a:dk1>
+      <a:lt1>
+        <a:sysClr val="window" lastClr="FFFFFF"/>
+      </a:lt1>
+      <a:dk2>
+        <a:srgbClr val="44546A"/>
+      </a:dk2>
+      <a:lt2>
+        <a:srgbClr val="E7E6E6"/>
+      </a:lt2>
+      <a:accent1>
+        <a:srgbClr val="4472C4"/>
+      </a:accent1>
+      <a:accent2>
+        <a:srgbClr val="ED7D31"/>
+      </a:accent2>
+      <a:accent3>
+        <a:srgbClr val="A5A5A5"/>
+      </a:accent3>
+      <a:accent4>
+        <a:srgbClr val="FFC000"/>
+      </a:accent4>
+      <a:accent5>
+        <a:srgbClr val="5B9BD5"/>
+      </a:accent5>
+      <a:accent6>
+        <a:srgbClr val="70AD47"/>
+      </a:accent6>
+      <a:hlink>
+        <a:srgbClr val="0563C1"/>
+      </a:hlink>
+      <a:folHlink>
+        <a:srgbClr val="954F72"/>
+      </a:folHlink>
+    </a:clrScheme>
+    <a:fontScheme name="Office">
+      <a:majorFont>
+        <a:latin typeface="Calibri Light" panose="020F0302020204030204"/>
+        <a:ea typeface=""/>
+        <a:cs typeface=""/>
+        <a:font script="Jpan" typeface="游ゴシック Light"/>
+        <a:font script="Hang" typeface="맑은 고딕"/>
+        <a:font script="Hans" typeface="等线 Light"/>
+        <a:font script="Hant" typeface="新細明體"/>
+        <a:font script="Arab" typeface="Times New Roman"/>
+        <a:font script="Hebr" typeface="Times New Roman"/>
+        <a:font script="Thai" typeface="Angsana New"/>
+        <a:font script="Ethi" typeface="Nyala"/>
+        <a:font script="Beng" typeface="Vrinda"/>
+        <a:font script="Gujr" typeface="Shruti"/>
+        <a:font script="Khmr" typeface="MoolBoran"/>
+        <a:font script="Knda" typeface="Tunga"/>
+        <a:font script="Guru" typeface="Raavi"/>
+        <a:font script="Cans" typeface="Euphemia"/>
+        <a:font script="Cher" typeface="Plantagenet Cherokee"/>
+        <a:font script="Yiii" typeface="Microsoft Yi Baiti"/>
+        <a:font script="Tibt" typeface="Microsoft Himalaya"/>
+        <a:font script="Thaa" typeface="MV Boli"/>
+        <a:font script="Deva" typeface="Mangal"/>
+        <a:font script="Telu" typeface="Gautami"/>
+        <a:font script="Taml" typeface="Latha"/>
+        <a:font script="Syrc" typeface="Estrangelo Edessa"/>
+        <a:font script="Orya" typeface="Kalinga"/>
+        <a:font script="Mlym" typeface="Kartika"/>
+        <a:font script="Laoo" typeface="DokChampa"/>
+        <a:font script="Sinh" typeface="Iskoola Pota"/>
+        <a:font script="Mong" typeface="Mongolian Baiti"/>
+        <a:font script="Viet" typeface="Times New Roman"/>
+        <a:font script="Uigh" typeface="Microsoft Uighur"/>
+        <a:font script="Geor" typeface="Sylfaen"/>
+        <a:font script="Armn" typeface="Arial"/>
+        <a:font script="Bugi" typeface="Leelawadee UI"/>
+        <a:font script="Bopo" typeface="Microsoft JhengHei"/>
+        <a:font script="Java" typeface="Javanese Text"/>
+        <a:font script="Lisu" typeface="Segoe UI"/>
+        <a:font script="Mymr" typeface="Myanmar Text"/>
+        <a:font script="Nkoo" typeface="Ebrima"/>
+        <a:font script="Olck" typeface="Nirmala UI"/>
+        <a:font script="Osma" typeface="Ebrima"/>
+        <a:font script="Phag" typeface="Phagspa"/>
+        <a:font script="Syrn" typeface="Estrangelo Edessa"/>
+        <a:font script="Syrj" typeface="Estrangelo Edessa"/>
+        <a:font script="Syre" typeface="Estrangelo Edessa"/>
+        <a:font script="Sora" typeface="Nirmala UI"/>
+        <a:font script="Tale" typeface="Microsoft Tai Le"/>
+        <a:font script="Talu" typeface="Microsoft New Tai Lue"/>
+        <a:font script="Tfng" typeface="Ebrima"/>
+      </a:majorFont>
+      <a:minorFont>
+        <a:latin typeface="Calibri" panose="020F0502020204030204"/>
+        <a:ea typeface=""/>
+        <a:cs typeface=""/>
+        <a:font script="Jpan" typeface="游ゴシック"/>
+        <a:font script="Hang" typeface="맑은 고딕"/>
+        <a:font script="Hans" typeface="等线"/>
+        <a:font script="Hant" typeface="新細明體"/>
+        <a:font script="Arab" typeface="Arial"/>
+        <a:font script="Hebr" typeface="Arial"/>
+        <a:font script="Thai" typeface="Cordia New"/>
+        <a:font script="Ethi" typeface="Nyala"/>
+        <a:font script="Beng" typeface="Vrinda"/>
+        <a:font script="Gujr" typeface="Shruti"/>
+        <a:font script="Khmr" typeface="DaunPenh"/>
+        <a:font script="Knda" typeface="Tunga"/>
+        <a:font script="Guru" typeface="Raavi"/>
+        <a:font script="Cans" typeface="Euphemia"/>
+        <a:font script="Cher" typeface="Plantagenet Cherokee"/>
+        <a:font script="Yiii" typeface="Microsoft Yi Baiti"/>
+        <a:font script="Tibt" typeface="Microsoft Himalaya"/>
+        <a:font script="Thaa" typeface="MV Boli"/>
+        <a:font script="Deva" typeface="Mangal"/>
+        <a:font script="Telu" typeface="Gautami"/>
+        <a:font script="Taml" typeface="Latha"/>
+        <a:font script="Syrc" typeface="Estrangelo Edessa"/>
+        <a:font script="Orya" typeface="Kalinga"/>
+        <a:font script="Mlym" typeface="Kartika"/>
+        <a:font script="Laoo" typeface="DokChampa"/>
+        <a:font script="Sinh" typeface="Iskoola Pota"/>
+        <a:font script="Mong" typeface="Mongolian Baiti"/>
+        <a:font script="Viet" typeface="Arial"/>
+        <a:font script="Uigh" typeface="Microsoft Uighur"/>
+        <a:font script="Geor" typeface="Sylfaen"/>
+        <a:font script="Armn" typeface="Arial"/>
+        <a:font script="Bugi" typeface="Leelawadee UI"/>
+        <a:font script="Bopo" typeface="Microsoft JhengHei"/>
+        <a:font script="Java" typeface="Javanese Text"/>
+        <a:font script="Lisu" typeface="Segoe UI"/>
+        <a:font script="Mymr" typeface="Myanmar Text"/>
+        <a:font script="Nkoo" typeface="Ebrima"/>
+        <a:font script="Olck" typeface="Nirmala UI"/>
+        <a:font script="Osma" typeface="Ebrima"/>
+        <a:font script="Phag" typeface="Phagspa"/>
+        <a:font script="Syrn" typeface="Estrangelo Edessa"/>
+        <a:font script="Syrj" typeface="Estrangelo Edessa"/>
+        <a:font script="Syre" typeface="Estrangelo Edessa"/>
+        <a:font script="Sora" typeface="Nirmala UI"/>
+        <a:font script="Tale" typeface="Microsoft Tai Le"/>
+        <a:font script="Talu" typeface="Microsoft New Tai Lue"/>
+        <a:font script="Tfng" typeface="Ebrima"/>
+      </a:minorFont>
+    </a:fontScheme>
+    <a:fmtScheme name="Office">
+      <a:fillStyleLst>
+        <a:solidFill>
+          <a:schemeClr val="phClr"/>
+        </a:solidFill>
+        <a:gradFill rotWithShape="1">
+          <a:gsLst>
+            <a:gs pos="0">
+              <a:schemeClr val="phClr">
+                <a:lumMod val="110000"/>
+                <a:satMod val="105000"/>
+                <a:tint val="67000"/>
+              </a:schemeClr>
+            </a:gs>
+            <a:gs pos="50000">
+              <a:schemeClr val="phClr">
+                <a:lumMod val="105000"/>
+                <a:satMod val="103000"/>
+                <a:tint val="73000"/>
+              </a:schemeClr>
+            </a:gs>
+            <a:gs pos="100000">
+              <a:schemeClr val="phClr">
+                <a:lumMod val="105000"/>
+                <a:satMod val="109000"/>
+                <a:tint val="81000"/>
+              </a:schemeClr>
+            </a:gs>
+          </a:gsLst>
+          <a:lin ang="5400000" scaled="0"/>
+        </a:gradFill>
+        <a:gradFill rotWithShape="1">
+          <a:gsLst>
+            <a:gs pos="0">
+              <a:schemeClr val="phClr">
+                <a:satMod val="103000"/>
+                <a:lumMod val="102000"/>
+                <a:tint val="94000"/>
+              </a:schemeClr>
+            </a:gs>
+            <a:gs pos="50000">
+              <a:schemeClr val="phClr">
+                <a:satMod val="110000"/>
+                <a:lumMod val="100000"/>
+                <a:shade val="100000"/>
+              </a:schemeClr>
+            </a:gs>
+            <a:gs pos="100000">
+              <a:schemeClr val="phClr">
+                <a:lumMod val="99000"/>
+                <a:satMod val="120000"/>
+                <a:shade val="78000"/>
+              </a:schemeClr>
+            </a:gs>
+          </a:gsLst>
+          <a:lin ang="5400000" scaled="0"/>
+        </a:gradFill>
+      </a:fillStyleLst>
+      <a:lnStyleLst>
+        <a:ln w="6350" cap="flat" cmpd="sng" algn="ctr">
+          <a:solidFill>
+            <a:schemeClr val="phClr"/>
+          </a:solidFill>
+          <a:prstDash val="solid"/>
+          <a:miter lim="800000"/>
+        </a:ln>
+        <a:ln w="12700" cap="flat" cmpd="sng" algn="ctr">
+          <a:solidFill>
+            <a:schemeClr val="phClr"/>
+          </a:solidFill>
+          <a:prstDash val="solid"/>
+          <a:miter lim="800000"/>
+        </a:ln>
+        <a:ln w="19050" cap="flat" cmpd="sng" algn="ctr">
+          <a:solidFill>
+            <a:schemeClr val="phClr"/>
+          </a:solidFill>
+          <a:prstDash val="solid"/>
+          <a:miter lim="800000"/>
+        </a:ln>
+      </a:lnStyleLst>
+      <a:effectStyleLst>
+        <a:effectStyle>
+          <a:effectLst/>
+        </a:effectStyle>
+        <a:effectStyle>
+          <a:effectLst/>
+        </a:effectStyle>
+        <a:effectStyle>
+          <a:effectLst>
+            <a:outerShdw blurRad="57150" dist="19050" dir="5400000" algn="ctr" rotWithShape="0">
+              <a:srgbClr val="000000">
+                <a:alpha val="63000"/>
+              </a:srgbClr>
+            </a:outerShdw>
+          </a:effectLst>
+        </a:effectStyle>
+      </a:effectStyleLst>
+      <a:bgFillStyleLst>
+        <a:solidFill>
+          <a:schemeClr val="phClr"/>
+        </a:solidFill>
+        <a:solidFill>
+          <a:schemeClr val="phClr">
+            <a:tint val="95000"/>
+            <a:satMod val="170000"/>
+          </a:schemeClr>
+        </a:solidFill>
+        <a:gradFill rotWithShape="1">
+          <a:gsLst>
+            <a:gs pos="0">
+              <a:schemeClr val="phClr">
+                <a:tint val="93000"/>
+                <a:satMod val="150000"/>
+                <a:shade val="98000"/>
+                <a:lumMod val="102000"/>
+              </a:schemeClr>
+            </a:gs>
+            <a:gs pos="50000">
+              <a:schemeClr val="phClr">
+                <a:tint val="98000"/>
+                <a:satMod val="130000"/>
+                <a:shade val="90000"/>
+                <a:lumMod val="103000"/>
+              </a:schemeClr>
+            </a:gs>
+            <a:gs pos="100000">
+              <a:schemeClr val="phClr">
+                <a:shade val="63000"/>
+                <a:satMod val="120000"/>
+              </a:schemeClr>
+            </a:gs>
+          </a:gsLst>
+          <a:lin ang="5400000" scaled="0"/>
+        </a:gradFill>
+      </a:bgFillStyleLst>
+    </a:fmtScheme>
+  </a:themeElements>
+  <a:objectDefaults/>
+  <a:extraClrSchemeLst/>
+  <a:extLst>
+    <a:ext uri="{05A4C25C-085E-4340-85A3-A5531E510DB2}">
+      <thm15:themeFamily xmlns:thm15="http://schemas.microsoft.com/office/thememl/2012/main" name="Office Theme" id="{62F939B6-93AF-4DB8-9C6B-D6C7DFDC589F}" vid="{4A3C46E8-61CC-4603-A589-7422A47A8E4A}"/>
+    </a:ext>
+  </a:extLst>
+</a:theme>
 </file>
--- a/External/Documentation/Software Engineering Presentation.pptx
+++ b/External/Documentation/Software Engineering Presentation.pptx
@@ -5,7 +5,7 @@
     <p:sldMasterId id="2147483660" r:id="rId1"/>
   </p:sldMasterIdLst>
   <p:notesMasterIdLst>
-    <p:notesMasterId r:id="rId8"/>
+    <p:notesMasterId r:id="rId9"/>
   </p:notesMasterIdLst>
   <p:sldIdLst>
     <p:sldId id="256" r:id="rId2"/>
@@ -14,6 +14,7 @@
     <p:sldId id="259" r:id="rId5"/>
     <p:sldId id="261" r:id="rId6"/>
     <p:sldId id="260" r:id="rId7"/>
+    <p:sldId id="262" r:id="rId8"/>
   </p:sldIdLst>
   <p:sldSz cx="12192000" cy="6858000"/>
   <p:notesSz cx="6858000" cy="9144000"/>
@@ -123,6 +124,7 @@
             <p14:sldId id="259"/>
             <p14:sldId id="261"/>
             <p14:sldId id="260"/>
+            <p14:sldId id="262"/>
           </p14:sldIdLst>
         </p14:section>
       </p14:sectionLst>
@@ -701,6 +703,90 @@
     <p:extLst>
       <p:ext uri="{BB962C8B-B14F-4D97-AF65-F5344CB8AC3E}">
         <p14:creationId xmlns:p14="http://schemas.microsoft.com/office/powerpoint/2010/main" val="2721491555"/>
+      </p:ext>
+    </p:extLst>
+  </p:cSld>
+  <p:clrMapOvr>
+    <a:masterClrMapping/>
+  </p:clrMapOvr>
+</p:notes>
+</file>
+
+<file path=ppt/notesSlides/notesSlide2.xml><?xml version="1.0" encoding="utf-8"?>
+<p:notes xmlns:a="http://schemas.openxmlformats.org/drawingml/2006/main" xmlns:r="http://schemas.openxmlformats.org/officeDocument/2006/relationships" xmlns:p="http://schemas.openxmlformats.org/presentationml/2006/main">
+  <p:cSld>
+    <p:spTree>
+      <p:nvGrpSpPr>
+        <p:cNvPr id="1" name=""/>
+        <p:cNvGrpSpPr/>
+        <p:nvPr/>
+      </p:nvGrpSpPr>
+      <p:grpSpPr>
+        <a:xfrm>
+          <a:off x="0" y="0"/>
+          <a:ext cx="0" cy="0"/>
+          <a:chOff x="0" y="0"/>
+          <a:chExt cx="0" cy="0"/>
+        </a:xfrm>
+      </p:grpSpPr>
+      <p:sp>
+        <p:nvSpPr>
+          <p:cNvPr id="2" name="Slide Image Placeholder 1"/>
+          <p:cNvSpPr>
+            <a:spLocks noGrp="1" noRot="1" noChangeAspect="1"/>
+          </p:cNvSpPr>
+          <p:nvPr>
+            <p:ph type="sldImg"/>
+          </p:nvPr>
+        </p:nvSpPr>
+        <p:spPr/>
+      </p:sp>
+      <p:sp>
+        <p:nvSpPr>
+          <p:cNvPr id="3" name="Notes Placeholder 2"/>
+          <p:cNvSpPr>
+            <a:spLocks noGrp="1"/>
+          </p:cNvSpPr>
+          <p:nvPr>
+            <p:ph type="body" idx="1"/>
+          </p:nvPr>
+        </p:nvSpPr>
+        <p:spPr/>
+        <p:txBody>
+          <a:bodyPr/>
+          <a:lstStyle/>
+          <a:p>
+            <a:endParaRPr lang="en-IE"/>
+          </a:p>
+        </p:txBody>
+      </p:sp>
+      <p:sp>
+        <p:nvSpPr>
+          <p:cNvPr id="4" name="Slide Number Placeholder 3"/>
+          <p:cNvSpPr>
+            <a:spLocks noGrp="1"/>
+          </p:cNvSpPr>
+          <p:nvPr>
+            <p:ph type="sldNum" sz="quarter" idx="5"/>
+          </p:nvPr>
+        </p:nvSpPr>
+        <p:spPr/>
+        <p:txBody>
+          <a:bodyPr/>
+          <a:lstStyle/>
+          <a:p>
+            <a:fld id="{87EAFACF-6BAC-48A9-A56C-5A005C56A78E}" type="slidenum">
+              <a:rPr lang="en-IE" smtClean="0"/>
+              <a:t>7</a:t>
+            </a:fld>
+            <a:endParaRPr lang="en-IE"/>
+          </a:p>
+        </p:txBody>
+      </p:sp>
+    </p:spTree>
+    <p:extLst>
+      <p:ext uri="{BB962C8B-B14F-4D97-AF65-F5344CB8AC3E}">
+        <p14:creationId xmlns:p14="http://schemas.microsoft.com/office/powerpoint/2010/main" val="397975028"/>
       </p:ext>
     </p:extLst>
   </p:cSld>
@@ -9922,6 +10008,208 @@
     <p:extLst>
       <p:ext uri="{BB962C8B-B14F-4D97-AF65-F5344CB8AC3E}">
         <p14:creationId xmlns:p14="http://schemas.microsoft.com/office/powerpoint/2010/main" val="1167475975"/>
+      </p:ext>
+    </p:extLst>
+  </p:cSld>
+  <p:clrMapOvr>
+    <a:masterClrMapping/>
+  </p:clrMapOvr>
+</p:sld>
+</file>
+
+<file path=ppt/slides/slide7.xml><?xml version="1.0" encoding="utf-8"?>
+<p:sld xmlns:a="http://schemas.openxmlformats.org/drawingml/2006/main" xmlns:r="http://schemas.openxmlformats.org/officeDocument/2006/relationships" xmlns:p="http://schemas.openxmlformats.org/presentationml/2006/main">
+  <p:cSld>
+    <p:spTree>
+      <p:nvGrpSpPr>
+        <p:cNvPr id="1" name=""/>
+        <p:cNvGrpSpPr/>
+        <p:nvPr/>
+      </p:nvGrpSpPr>
+      <p:grpSpPr>
+        <a:xfrm>
+          <a:off x="0" y="0"/>
+          <a:ext cx="0" cy="0"/>
+          <a:chOff x="0" y="0"/>
+          <a:chExt cx="0" cy="0"/>
+        </a:xfrm>
+      </p:grpSpPr>
+      <p:sp>
+        <p:nvSpPr>
+          <p:cNvPr id="2" name="Title 1">
+            <a:extLst>
+              <a:ext uri="{FF2B5EF4-FFF2-40B4-BE49-F238E27FC236}">
+                <a16:creationId xmlns:a16="http://schemas.microsoft.com/office/drawing/2014/main" id="{CE30D1F3-E5D9-184B-2800-09A61C8D35B7}"/>
+              </a:ext>
+            </a:extLst>
+          </p:cNvPr>
+          <p:cNvSpPr>
+            <a:spLocks noGrp="1"/>
+          </p:cNvSpPr>
+          <p:nvPr>
+            <p:ph type="title"/>
+          </p:nvPr>
+        </p:nvSpPr>
+        <p:spPr/>
+        <p:txBody>
+          <a:bodyPr/>
+          <a:lstStyle/>
+          <a:p>
+            <a:r>
+              <a:rPr lang="en-GB" dirty="0"/>
+              <a:t>Any Questions</a:t>
+            </a:r>
+            <a:endParaRPr lang="en-IE" dirty="0"/>
+          </a:p>
+        </p:txBody>
+      </p:sp>
+      <p:pic>
+        <p:nvPicPr>
+          <p:cNvPr id="5" name="Content Placeholder 4" descr="A picture containing clipart&#10;&#10;Description automatically generated">
+            <a:extLst>
+              <a:ext uri="{FF2B5EF4-FFF2-40B4-BE49-F238E27FC236}">
+                <a16:creationId xmlns:a16="http://schemas.microsoft.com/office/drawing/2014/main" id="{099848A5-A723-9886-49CE-A31294061DB0}"/>
+              </a:ext>
+            </a:extLst>
+          </p:cNvPr>
+          <p:cNvPicPr>
+            <a:picLocks noGrp="1" noChangeAspect="1"/>
+          </p:cNvPicPr>
+          <p:nvPr>
+            <p:ph idx="1"/>
+          </p:nvPr>
+        </p:nvPicPr>
+        <p:blipFill>
+          <a:blip r:embed="rId3">
+            <a:extLst>
+              <a:ext uri="{28A0092B-C50C-407E-A947-70E740481C1C}">
+                <a14:useLocalDpi xmlns:a14="http://schemas.microsoft.com/office/drawing/2010/main" val="0"/>
+              </a:ext>
+            </a:extLst>
+          </a:blip>
+          <a:stretch>
+            <a:fillRect/>
+          </a:stretch>
+        </p:blipFill>
+        <p:spPr>
+          <a:xfrm>
+            <a:off x="1594377" y="563299"/>
+            <a:ext cx="3614738" cy="3614738"/>
+          </a:xfrm>
+        </p:spPr>
+      </p:pic>
+      <p:pic>
+        <p:nvPicPr>
+          <p:cNvPr id="7" name="Picture 6" descr="A person smiling for the camera&#10;&#10;Description automatically generated with medium confidence">
+            <a:extLst>
+              <a:ext uri="{FF2B5EF4-FFF2-40B4-BE49-F238E27FC236}">
+                <a16:creationId xmlns:a16="http://schemas.microsoft.com/office/drawing/2014/main" id="{E6286113-6351-7B06-CFFD-1A0A8788F6A5}"/>
+              </a:ext>
+            </a:extLst>
+          </p:cNvPr>
+          <p:cNvPicPr>
+            <a:picLocks noChangeAspect="1"/>
+          </p:cNvPicPr>
+          <p:nvPr/>
+        </p:nvPicPr>
+        <p:blipFill>
+          <a:blip r:embed="rId4">
+            <a:extLst>
+              <a:ext uri="{28A0092B-C50C-407E-A947-70E740481C1C}">
+                <a14:useLocalDpi xmlns:a14="http://schemas.microsoft.com/office/drawing/2010/main" val="0"/>
+              </a:ext>
+            </a:extLst>
+          </a:blip>
+          <a:stretch>
+            <a:fillRect/>
+          </a:stretch>
+        </p:blipFill>
+        <p:spPr>
+          <a:xfrm>
+            <a:off x="5959108" y="2666198"/>
+            <a:ext cx="6232892" cy="3506002"/>
+          </a:xfrm>
+          <a:prstGeom prst="rect">
+            <a:avLst/>
+          </a:prstGeom>
+        </p:spPr>
+      </p:pic>
+      <p:pic>
+        <p:nvPicPr>
+          <p:cNvPr id="9" name="Picture 8">
+            <a:extLst>
+              <a:ext uri="{FF2B5EF4-FFF2-40B4-BE49-F238E27FC236}">
+                <a16:creationId xmlns:a16="http://schemas.microsoft.com/office/drawing/2014/main" id="{D2892F3C-616E-43F9-BB53-98FA885AABD9}"/>
+              </a:ext>
+            </a:extLst>
+          </p:cNvPr>
+          <p:cNvPicPr>
+            <a:picLocks noChangeAspect="1"/>
+          </p:cNvPicPr>
+          <p:nvPr/>
+        </p:nvPicPr>
+        <p:blipFill>
+          <a:blip r:embed="rId5">
+            <a:extLst>
+              <a:ext uri="{28A0092B-C50C-407E-A947-70E740481C1C}">
+                <a14:useLocalDpi xmlns:a14="http://schemas.microsoft.com/office/drawing/2010/main" val="0"/>
+              </a:ext>
+            </a:extLst>
+          </a:blip>
+          <a:stretch>
+            <a:fillRect/>
+          </a:stretch>
+        </p:blipFill>
+        <p:spPr>
+          <a:xfrm>
+            <a:off x="4761706" y="863601"/>
+            <a:ext cx="3962400" cy="4236720"/>
+          </a:xfrm>
+          <a:prstGeom prst="rect">
+            <a:avLst/>
+          </a:prstGeom>
+        </p:spPr>
+      </p:pic>
+      <p:pic>
+        <p:nvPicPr>
+          <p:cNvPr id="11" name="Picture 10" descr="A picture containing graphical user interface&#10;&#10;Description automatically generated">
+            <a:extLst>
+              <a:ext uri="{FF2B5EF4-FFF2-40B4-BE49-F238E27FC236}">
+                <a16:creationId xmlns:a16="http://schemas.microsoft.com/office/drawing/2014/main" id="{4C5F337C-DD9F-532D-A536-53B2D1A616F8}"/>
+              </a:ext>
+            </a:extLst>
+          </p:cNvPr>
+          <p:cNvPicPr>
+            <a:picLocks noChangeAspect="1"/>
+          </p:cNvPicPr>
+          <p:nvPr/>
+        </p:nvPicPr>
+        <p:blipFill>
+          <a:blip r:embed="rId6">
+            <a:extLst>
+              <a:ext uri="{28A0092B-C50C-407E-A947-70E740481C1C}">
+                <a14:useLocalDpi xmlns:a14="http://schemas.microsoft.com/office/drawing/2010/main" val="0"/>
+              </a:ext>
+            </a:extLst>
+          </a:blip>
+          <a:stretch>
+            <a:fillRect/>
+          </a:stretch>
+        </p:blipFill>
+        <p:spPr>
+          <a:xfrm>
+            <a:off x="8323296" y="211755"/>
+            <a:ext cx="3568139" cy="2909316"/>
+          </a:xfrm>
+          <a:prstGeom prst="rect">
+            <a:avLst/>
+          </a:prstGeom>
+        </p:spPr>
+      </p:pic>
+    </p:spTree>
+    <p:extLst>
+      <p:ext uri="{BB962C8B-B14F-4D97-AF65-F5344CB8AC3E}">
+        <p14:creationId xmlns:p14="http://schemas.microsoft.com/office/powerpoint/2010/main" val="2516599100"/>
       </p:ext>
     </p:extLst>
   </p:cSld>

--- a/External/Documentation/Software Engineering Presentation.pptx
+++ b/External/Documentation/Software Engineering Presentation.pptx
@@ -136,6 +136,34 @@
 </p:presentation>
 </file>
 
+<file path=ppt/changesInfos/changesInfo1.xml><?xml version="1.0" encoding="utf-8"?>
+<pc:chgInfo xmlns:a="http://schemas.openxmlformats.org/drawingml/2006/main" xmlns:r="http://schemas.openxmlformats.org/officeDocument/2006/relationships" xmlns:ac="http://schemas.microsoft.com/office/drawing/2013/main/command" xmlns:pc="http://schemas.microsoft.com/office/powerpoint/2013/main/command">
+  <pc:docChgLst>
+    <pc:chgData name="Aisha Ntuli" userId="9e3e1cbc-968a-4935-af00-6383e8da95d2" providerId="ADAL" clId="{D3C590F3-931A-4D6F-A7C7-6B2FB729FC00}"/>
+    <pc:docChg chg="modSld">
+      <pc:chgData name="Aisha Ntuli" userId="9e3e1cbc-968a-4935-af00-6383e8da95d2" providerId="ADAL" clId="{D3C590F3-931A-4D6F-A7C7-6B2FB729FC00}" dt="2023-03-31T10:59:46.225" v="1"/>
+      <pc:docMkLst>
+        <pc:docMk/>
+      </pc:docMkLst>
+      <pc:sldChg chg="modNotesTx">
+        <pc:chgData name="Aisha Ntuli" userId="9e3e1cbc-968a-4935-af00-6383e8da95d2" providerId="ADAL" clId="{D3C590F3-931A-4D6F-A7C7-6B2FB729FC00}" dt="2023-03-31T10:59:36.666" v="0"/>
+        <pc:sldMkLst>
+          <pc:docMk/>
+          <pc:sldMk cId="671198925" sldId="259"/>
+        </pc:sldMkLst>
+      </pc:sldChg>
+      <pc:sldChg chg="modNotesTx">
+        <pc:chgData name="Aisha Ntuli" userId="9e3e1cbc-968a-4935-af00-6383e8da95d2" providerId="ADAL" clId="{D3C590F3-931A-4D6F-A7C7-6B2FB729FC00}" dt="2023-03-31T10:59:46.225" v="1"/>
+        <pc:sldMkLst>
+          <pc:docMk/>
+          <pc:sldMk cId="1402486880" sldId="261"/>
+        </pc:sldMkLst>
+      </pc:sldChg>
+    </pc:docChg>
+  </pc:docChgLst>
+</pc:chgInfo>
+</file>
+
 <file path=ppt/notesMasters/notesMaster1.xml><?xml version="1.0" encoding="utf-8"?>
 <p:notesMaster xmlns:a="http://schemas.openxmlformats.org/drawingml/2006/main" xmlns:r="http://schemas.openxmlformats.org/officeDocument/2006/relationships" xmlns:p="http://schemas.openxmlformats.org/presentationml/2006/main">
   <p:cSld>
@@ -530,6 +558,272 @@
           <a:bodyPr/>
           <a:lstStyle/>
           <a:p>
+            <a:r>
+              <a:rPr lang="en-US" dirty="0" err="1"/>
+              <a:t>i</a:t>
+            </a:r>
+            <a:r>
+              <a:rPr lang="en-US" dirty="0"/>
+              <a:t> will now talk about the system sequence diagram as you can probably make out here from the directional arrows</a:t>
+            </a:r>
+          </a:p>
+          <a:p>
+            <a:endParaRPr lang="en-US" dirty="0"/>
+          </a:p>
+          <a:p>
+            <a:r>
+              <a:rPr lang="en-US" dirty="0"/>
+              <a:t>here you are able to see the interaction outlined from beginning to end</a:t>
+            </a:r>
+          </a:p>
+          <a:p>
+            <a:endParaRPr lang="en-US" dirty="0"/>
+          </a:p>
+          <a:p>
+            <a:r>
+              <a:rPr lang="en-US" dirty="0"/>
+              <a:t>as you can see we start the game with the basics entering your username then the next part is what we've based our </a:t>
+            </a:r>
+            <a:r>
+              <a:rPr lang="en-US" dirty="0" err="1"/>
+              <a:t>ssd</a:t>
+            </a:r>
+            <a:r>
+              <a:rPr lang="en-US" dirty="0"/>
+              <a:t> in which there is the choice to go into tutorial mode or begin gameplay right away without a tutorial </a:t>
+            </a:r>
+          </a:p>
+          <a:p>
+            <a:endParaRPr lang="en-US" dirty="0"/>
+          </a:p>
+          <a:p>
+            <a:r>
+              <a:rPr lang="en-US" dirty="0"/>
+              <a:t>after you trigger the game to begin you appear in the restaurant where the first customer of the day will enter the establishment</a:t>
+            </a:r>
+          </a:p>
+          <a:p>
+            <a:endParaRPr lang="en-US" dirty="0"/>
+          </a:p>
+          <a:p>
+            <a:r>
+              <a:rPr lang="en-US" dirty="0"/>
+              <a:t>the player will then greet them and take their order, make the order, leave it for collection by the customer, which the customer will then eat, leave the restaurant which also </a:t>
+            </a:r>
+            <a:r>
+              <a:rPr lang="en-US" dirty="0" err="1"/>
+              <a:t>simultneously</a:t>
+            </a:r>
+            <a:r>
+              <a:rPr lang="en-US" dirty="0"/>
+              <a:t> leaves their payment on the table, the player then cleans the dirty table, collects payment and washes the dirty plates</a:t>
+            </a:r>
+          </a:p>
+          <a:p>
+            <a:endParaRPr lang="en-US" dirty="0"/>
+          </a:p>
+          <a:p>
+            <a:r>
+              <a:rPr lang="en-US" dirty="0"/>
+              <a:t>The </a:t>
+            </a:r>
+            <a:r>
+              <a:rPr lang="en-US" dirty="0" err="1"/>
+              <a:t>tutorialised</a:t>
+            </a:r>
+            <a:r>
+              <a:rPr lang="en-US" dirty="0"/>
+              <a:t> version of this is pretty much the same except the game is guiding you through these steps and telling you what keys to press to achieve these objectives</a:t>
+            </a:r>
+            <a:endParaRPr lang="en-IE" dirty="0"/>
+          </a:p>
+        </p:txBody>
+      </p:sp>
+      <p:sp>
+        <p:nvSpPr>
+          <p:cNvPr id="4" name="Slide Number Placeholder 3"/>
+          <p:cNvSpPr>
+            <a:spLocks noGrp="1"/>
+          </p:cNvSpPr>
+          <p:nvPr>
+            <p:ph type="sldNum" sz="quarter" idx="5"/>
+          </p:nvPr>
+        </p:nvSpPr>
+        <p:spPr/>
+        <p:txBody>
+          <a:bodyPr/>
+          <a:lstStyle/>
+          <a:p>
+            <a:fld id="{87EAFACF-6BAC-48A9-A56C-5A005C56A78E}" type="slidenum">
+              <a:rPr lang="en-IE" smtClean="0"/>
+              <a:t>4</a:t>
+            </a:fld>
+            <a:endParaRPr lang="en-IE"/>
+          </a:p>
+        </p:txBody>
+      </p:sp>
+    </p:spTree>
+    <p:extLst>
+      <p:ext uri="{BB962C8B-B14F-4D97-AF65-F5344CB8AC3E}">
+        <p14:creationId xmlns:p14="http://schemas.microsoft.com/office/powerpoint/2010/main" val="2894824195"/>
+      </p:ext>
+    </p:extLst>
+  </p:cSld>
+  <p:clrMapOvr>
+    <a:masterClrMapping/>
+  </p:clrMapOvr>
+</p:notes>
+</file>
+
+<file path=ppt/notesSlides/notesSlide2.xml><?xml version="1.0" encoding="utf-8"?>
+<p:notes xmlns:a="http://schemas.openxmlformats.org/drawingml/2006/main" xmlns:r="http://schemas.openxmlformats.org/officeDocument/2006/relationships" xmlns:p="http://schemas.openxmlformats.org/presentationml/2006/main">
+  <p:cSld>
+    <p:spTree>
+      <p:nvGrpSpPr>
+        <p:cNvPr id="1" name=""/>
+        <p:cNvGrpSpPr/>
+        <p:nvPr/>
+      </p:nvGrpSpPr>
+      <p:grpSpPr>
+        <a:xfrm>
+          <a:off x="0" y="0"/>
+          <a:ext cx="0" cy="0"/>
+          <a:chOff x="0" y="0"/>
+          <a:chExt cx="0" cy="0"/>
+        </a:xfrm>
+      </p:grpSpPr>
+      <p:sp>
+        <p:nvSpPr>
+          <p:cNvPr id="2" name="Slide Image Placeholder 1"/>
+          <p:cNvSpPr>
+            <a:spLocks noGrp="1" noRot="1" noChangeAspect="1"/>
+          </p:cNvSpPr>
+          <p:nvPr>
+            <p:ph type="sldImg"/>
+          </p:nvPr>
+        </p:nvSpPr>
+        <p:spPr/>
+      </p:sp>
+      <p:sp>
+        <p:nvSpPr>
+          <p:cNvPr id="3" name="Notes Placeholder 2"/>
+          <p:cNvSpPr>
+            <a:spLocks noGrp="1"/>
+          </p:cNvSpPr>
+          <p:nvPr>
+            <p:ph type="body" idx="1"/>
+          </p:nvPr>
+        </p:nvSpPr>
+        <p:spPr/>
+        <p:txBody>
+          <a:bodyPr/>
+          <a:lstStyle/>
+          <a:p>
+            <a:r>
+              <a:rPr lang="en-US" dirty="0"/>
+              <a:t>the contract defining the systems </a:t>
+            </a:r>
+            <a:r>
+              <a:rPr lang="en-US" dirty="0" err="1"/>
+              <a:t>behaviour</a:t>
+            </a:r>
+            <a:r>
+              <a:rPr lang="en-US" dirty="0"/>
+              <a:t> basically help to put the actions and objectives into computer language </a:t>
+            </a:r>
+          </a:p>
+          <a:p>
+            <a:endParaRPr lang="en-US" dirty="0"/>
+          </a:p>
+          <a:p>
+            <a:r>
+              <a:rPr lang="en-US" dirty="0"/>
+              <a:t>a new customer or new food item spawning would translate into what is essentially "computer speak" for "instance creation" </a:t>
+            </a:r>
+            <a:endParaRPr lang="en-IE" dirty="0"/>
+          </a:p>
+        </p:txBody>
+      </p:sp>
+      <p:sp>
+        <p:nvSpPr>
+          <p:cNvPr id="4" name="Slide Number Placeholder 3"/>
+          <p:cNvSpPr>
+            <a:spLocks noGrp="1"/>
+          </p:cNvSpPr>
+          <p:nvPr>
+            <p:ph type="sldNum" sz="quarter" idx="5"/>
+          </p:nvPr>
+        </p:nvSpPr>
+        <p:spPr/>
+        <p:txBody>
+          <a:bodyPr/>
+          <a:lstStyle/>
+          <a:p>
+            <a:fld id="{87EAFACF-6BAC-48A9-A56C-5A005C56A78E}" type="slidenum">
+              <a:rPr lang="en-IE" smtClean="0"/>
+              <a:t>5</a:t>
+            </a:fld>
+            <a:endParaRPr lang="en-IE"/>
+          </a:p>
+        </p:txBody>
+      </p:sp>
+    </p:spTree>
+    <p:extLst>
+      <p:ext uri="{BB962C8B-B14F-4D97-AF65-F5344CB8AC3E}">
+        <p14:creationId xmlns:p14="http://schemas.microsoft.com/office/powerpoint/2010/main" val="2083267863"/>
+      </p:ext>
+    </p:extLst>
+  </p:cSld>
+  <p:clrMapOvr>
+    <a:masterClrMapping/>
+  </p:clrMapOvr>
+</p:notes>
+</file>
+
+<file path=ppt/notesSlides/notesSlide3.xml><?xml version="1.0" encoding="utf-8"?>
+<p:notes xmlns:a="http://schemas.openxmlformats.org/drawingml/2006/main" xmlns:r="http://schemas.openxmlformats.org/officeDocument/2006/relationships" xmlns:p="http://schemas.openxmlformats.org/presentationml/2006/main">
+  <p:cSld>
+    <p:spTree>
+      <p:nvGrpSpPr>
+        <p:cNvPr id="1" name=""/>
+        <p:cNvGrpSpPr/>
+        <p:nvPr/>
+      </p:nvGrpSpPr>
+      <p:grpSpPr>
+        <a:xfrm>
+          <a:off x="0" y="0"/>
+          <a:ext cx="0" cy="0"/>
+          <a:chOff x="0" y="0"/>
+          <a:chExt cx="0" cy="0"/>
+        </a:xfrm>
+      </p:grpSpPr>
+      <p:sp>
+        <p:nvSpPr>
+          <p:cNvPr id="2" name="Slide Image Placeholder 1"/>
+          <p:cNvSpPr>
+            <a:spLocks noGrp="1" noRot="1" noChangeAspect="1"/>
+          </p:cNvSpPr>
+          <p:nvPr>
+            <p:ph type="sldImg"/>
+          </p:nvPr>
+        </p:nvSpPr>
+        <p:spPr/>
+      </p:sp>
+      <p:sp>
+        <p:nvSpPr>
+          <p:cNvPr id="3" name="Notes Placeholder 2"/>
+          <p:cNvSpPr>
+            <a:spLocks noGrp="1"/>
+          </p:cNvSpPr>
+          <p:nvPr>
+            <p:ph type="body" idx="1"/>
+          </p:nvPr>
+        </p:nvSpPr>
+        <p:spPr/>
+        <p:txBody>
+          <a:bodyPr/>
+          <a:lstStyle/>
+          <a:p>
             <a:pPr marL="171450" indent="-171450">
               <a:buFont typeface="Arial" panose="020B0604020202020204" pitchFamily="34" charset="0"/>
               <a:buChar char="•"/>
@@ -712,7 +1006,7 @@
 </p:notes>
 </file>
 
-<file path=ppt/notesSlides/notesSlide2.xml><?xml version="1.0" encoding="utf-8"?>
+<file path=ppt/notesSlides/notesSlide4.xml><?xml version="1.0" encoding="utf-8"?>
 <p:notes xmlns:a="http://schemas.openxmlformats.org/drawingml/2006/main" xmlns:r="http://schemas.openxmlformats.org/officeDocument/2006/relationships" xmlns:p="http://schemas.openxmlformats.org/presentationml/2006/main">
   <p:cSld>
     <p:spTree>
@@ -8255,7 +8549,7 @@
           </p:nvPr>
         </p:nvPicPr>
         <p:blipFill>
-          <a:blip r:embed="rId2">
+          <a:blip r:embed="rId3">
             <a:extLst>
               <a:ext uri="{28A0092B-C50C-407E-A947-70E740481C1C}">
                 <a14:useLocalDpi xmlns:a14="http://schemas.microsoft.com/office/drawing/2010/main" val="0"/>
@@ -8676,7 +8970,7 @@
           </p:nvPr>
         </p:nvPicPr>
         <p:blipFill>
-          <a:blip r:embed="rId2">
+          <a:blip r:embed="rId3">
             <a:extLst>
               <a:ext uri="{28A0092B-C50C-407E-A947-70E740481C1C}">
                 <a14:useLocalDpi xmlns:a14="http://schemas.microsoft.com/office/drawing/2010/main" val="0"/>
